--- a/docs/게임 설계서.pptx
+++ b/docs/게임 설계서.pptx
@@ -12,12 +12,13 @@
     <p:sldId id="266" r:id="rId6"/>
     <p:sldId id="258" r:id="rId7"/>
     <p:sldId id="263" r:id="rId8"/>
-    <p:sldId id="259" r:id="rId9"/>
-    <p:sldId id="267" r:id="rId10"/>
-    <p:sldId id="264" r:id="rId11"/>
-    <p:sldId id="260" r:id="rId12"/>
-    <p:sldId id="265" r:id="rId13"/>
-    <p:sldId id="268" r:id="rId14"/>
+    <p:sldId id="269" r:id="rId9"/>
+    <p:sldId id="270" r:id="rId10"/>
+    <p:sldId id="259" r:id="rId11"/>
+    <p:sldId id="267" r:id="rId12"/>
+    <p:sldId id="264" r:id="rId13"/>
+    <p:sldId id="260" r:id="rId14"/>
+    <p:sldId id="265" r:id="rId15"/>
   </p:sldIdLst>
   <p:sldSz cx="12192000" cy="6858000"/>
   <p:notesSz cx="6858000" cy="9144000"/>
@@ -255,7 +256,7 @@
           <a:p>
             <a:fld id="{29CADC6B-97E5-4012-A2B3-1ED36804F9AF}" type="datetimeFigureOut">
               <a:rPr lang="ko-KR" altLang="en-US" smtClean="0"/>
-              <a:t>2022-02-07</a:t>
+              <a:t>2022-02-18</a:t>
             </a:fld>
             <a:endParaRPr lang="ko-KR" altLang="en-US"/>
           </a:p>
@@ -425,7 +426,7 @@
           <a:p>
             <a:fld id="{29CADC6B-97E5-4012-A2B3-1ED36804F9AF}" type="datetimeFigureOut">
               <a:rPr lang="ko-KR" altLang="en-US" smtClean="0"/>
-              <a:t>2022-02-07</a:t>
+              <a:t>2022-02-18</a:t>
             </a:fld>
             <a:endParaRPr lang="ko-KR" altLang="en-US"/>
           </a:p>
@@ -605,7 +606,7 @@
           <a:p>
             <a:fld id="{29CADC6B-97E5-4012-A2B3-1ED36804F9AF}" type="datetimeFigureOut">
               <a:rPr lang="ko-KR" altLang="en-US" smtClean="0"/>
-              <a:t>2022-02-07</a:t>
+              <a:t>2022-02-18</a:t>
             </a:fld>
             <a:endParaRPr lang="ko-KR" altLang="en-US"/>
           </a:p>
@@ -775,7 +776,7 @@
           <a:p>
             <a:fld id="{29CADC6B-97E5-4012-A2B3-1ED36804F9AF}" type="datetimeFigureOut">
               <a:rPr lang="ko-KR" altLang="en-US" smtClean="0"/>
-              <a:t>2022-02-07</a:t>
+              <a:t>2022-02-18</a:t>
             </a:fld>
             <a:endParaRPr lang="ko-KR" altLang="en-US"/>
           </a:p>
@@ -1021,7 +1022,7 @@
           <a:p>
             <a:fld id="{29CADC6B-97E5-4012-A2B3-1ED36804F9AF}" type="datetimeFigureOut">
               <a:rPr lang="ko-KR" altLang="en-US" smtClean="0"/>
-              <a:t>2022-02-07</a:t>
+              <a:t>2022-02-18</a:t>
             </a:fld>
             <a:endParaRPr lang="ko-KR" altLang="en-US"/>
           </a:p>
@@ -1253,7 +1254,7 @@
           <a:p>
             <a:fld id="{29CADC6B-97E5-4012-A2B3-1ED36804F9AF}" type="datetimeFigureOut">
               <a:rPr lang="ko-KR" altLang="en-US" smtClean="0"/>
-              <a:t>2022-02-07</a:t>
+              <a:t>2022-02-18</a:t>
             </a:fld>
             <a:endParaRPr lang="ko-KR" altLang="en-US"/>
           </a:p>
@@ -1620,7 +1621,7 @@
           <a:p>
             <a:fld id="{29CADC6B-97E5-4012-A2B3-1ED36804F9AF}" type="datetimeFigureOut">
               <a:rPr lang="ko-KR" altLang="en-US" smtClean="0"/>
-              <a:t>2022-02-07</a:t>
+              <a:t>2022-02-18</a:t>
             </a:fld>
             <a:endParaRPr lang="ko-KR" altLang="en-US"/>
           </a:p>
@@ -1738,7 +1739,7 @@
           <a:p>
             <a:fld id="{29CADC6B-97E5-4012-A2B3-1ED36804F9AF}" type="datetimeFigureOut">
               <a:rPr lang="ko-KR" altLang="en-US" smtClean="0"/>
-              <a:t>2022-02-07</a:t>
+              <a:t>2022-02-18</a:t>
             </a:fld>
             <a:endParaRPr lang="ko-KR" altLang="en-US"/>
           </a:p>
@@ -1833,7 +1834,7 @@
           <a:p>
             <a:fld id="{29CADC6B-97E5-4012-A2B3-1ED36804F9AF}" type="datetimeFigureOut">
               <a:rPr lang="ko-KR" altLang="en-US" smtClean="0"/>
-              <a:t>2022-02-07</a:t>
+              <a:t>2022-02-18</a:t>
             </a:fld>
             <a:endParaRPr lang="ko-KR" altLang="en-US"/>
           </a:p>
@@ -2110,7 +2111,7 @@
           <a:p>
             <a:fld id="{29CADC6B-97E5-4012-A2B3-1ED36804F9AF}" type="datetimeFigureOut">
               <a:rPr lang="ko-KR" altLang="en-US" smtClean="0"/>
-              <a:t>2022-02-07</a:t>
+              <a:t>2022-02-18</a:t>
             </a:fld>
             <a:endParaRPr lang="ko-KR" altLang="en-US"/>
           </a:p>
@@ -2363,7 +2364,7 @@
           <a:p>
             <a:fld id="{29CADC6B-97E5-4012-A2B3-1ED36804F9AF}" type="datetimeFigureOut">
               <a:rPr lang="ko-KR" altLang="en-US" smtClean="0"/>
-              <a:t>2022-02-07</a:t>
+              <a:t>2022-02-18</a:t>
             </a:fld>
             <a:endParaRPr lang="ko-KR" altLang="en-US"/>
           </a:p>
@@ -2576,7 +2577,7 @@
           <a:p>
             <a:fld id="{29CADC6B-97E5-4012-A2B3-1ED36804F9AF}" type="datetimeFigureOut">
               <a:rPr lang="ko-KR" altLang="en-US" smtClean="0"/>
-              <a:t>2022-02-07</a:t>
+              <a:t>2022-02-18</a:t>
             </a:fld>
             <a:endParaRPr lang="ko-KR" altLang="en-US"/>
           </a:p>
@@ -3040,6 +3041,743 @@
       </p:grpSpPr>
       <p:sp>
         <p:nvSpPr>
+          <p:cNvPr id="2" name="제목 1"/>
+          <p:cNvSpPr>
+            <a:spLocks noGrp="1"/>
+          </p:cNvSpPr>
+          <p:nvPr>
+            <p:ph type="ctrTitle"/>
+          </p:nvPr>
+        </p:nvSpPr>
+        <p:spPr/>
+        <p:txBody>
+          <a:bodyPr/>
+          <a:lstStyle/>
+          <a:p>
+            <a:r>
+              <a:rPr lang="en-US" altLang="ko-KR" dirty="0" smtClean="0"/>
+              <a:t>3. </a:t>
+            </a:r>
+            <a:r>
+              <a:rPr lang="ko-KR" altLang="en-US" dirty="0" err="1" smtClean="0"/>
+              <a:t>명함교환</a:t>
+            </a:r>
+            <a:endParaRPr lang="ko-KR" altLang="en-US" dirty="0"/>
+          </a:p>
+        </p:txBody>
+      </p:sp>
+    </p:spTree>
+    <p:extLst>
+      <p:ext uri="{BB962C8B-B14F-4D97-AF65-F5344CB8AC3E}">
+        <p14:creationId xmlns:p14="http://schemas.microsoft.com/office/powerpoint/2010/main" val="1896399832"/>
+      </p:ext>
+    </p:extLst>
+  </p:cSld>
+  <p:clrMapOvr>
+    <a:masterClrMapping/>
+  </p:clrMapOvr>
+</p:sld>
+</file>
+
+<file path=ppt/slides/slide11.xml><?xml version="1.0" encoding="utf-8"?>
+<p:sld xmlns:a="http://schemas.openxmlformats.org/drawingml/2006/main" xmlns:r="http://schemas.openxmlformats.org/officeDocument/2006/relationships" xmlns:p="http://schemas.openxmlformats.org/presentationml/2006/main">
+  <p:cSld>
+    <p:spTree>
+      <p:nvGrpSpPr>
+        <p:cNvPr id="1" name=""/>
+        <p:cNvGrpSpPr/>
+        <p:nvPr/>
+      </p:nvGrpSpPr>
+      <p:grpSpPr>
+        <a:xfrm>
+          <a:off x="0" y="0"/>
+          <a:ext cx="0" cy="0"/>
+          <a:chOff x="0" y="0"/>
+          <a:chExt cx="0" cy="0"/>
+        </a:xfrm>
+      </p:grpSpPr>
+      <p:sp>
+        <p:nvSpPr>
+          <p:cNvPr id="4" name="직사각형 3"/>
+          <p:cNvSpPr/>
+          <p:nvPr/>
+        </p:nvSpPr>
+        <p:spPr>
+          <a:xfrm>
+            <a:off x="1591407" y="562708"/>
+            <a:ext cx="3323492" cy="571500"/>
+          </a:xfrm>
+          <a:prstGeom prst="rect">
+            <a:avLst/>
+          </a:prstGeom>
+        </p:spPr>
+        <p:style>
+          <a:lnRef idx="2">
+            <a:schemeClr val="accent4">
+              <a:shade val="50000"/>
+            </a:schemeClr>
+          </a:lnRef>
+          <a:fillRef idx="1">
+            <a:schemeClr val="accent4"/>
+          </a:fillRef>
+          <a:effectRef idx="0">
+            <a:schemeClr val="accent4"/>
+          </a:effectRef>
+          <a:fontRef idx="minor">
+            <a:schemeClr val="lt1"/>
+          </a:fontRef>
+        </p:style>
+        <p:txBody>
+          <a:bodyPr rtlCol="0" anchor="ctr"/>
+          <a:lstStyle/>
+          <a:p>
+            <a:pPr algn="ctr"/>
+            <a:r>
+              <a:rPr lang="ko-KR" altLang="en-US" sz="2400" b="1" dirty="0" smtClean="0">
+                <a:solidFill>
+                  <a:schemeClr val="tx1"/>
+                </a:solidFill>
+              </a:rPr>
+              <a:t>명교 </a:t>
+            </a:r>
+            <a:r>
+              <a:rPr lang="en-US" altLang="ko-KR" sz="2400" b="1" dirty="0" smtClean="0">
+                <a:solidFill>
+                  <a:schemeClr val="tx1"/>
+                </a:solidFill>
+              </a:rPr>
+              <a:t>Thread</a:t>
+            </a:r>
+            <a:endParaRPr lang="ko-KR" altLang="en-US" sz="2400" b="1" dirty="0" smtClean="0">
+              <a:solidFill>
+                <a:schemeClr val="tx1"/>
+              </a:solidFill>
+            </a:endParaRPr>
+          </a:p>
+        </p:txBody>
+      </p:sp>
+      <p:sp>
+        <p:nvSpPr>
+          <p:cNvPr id="5" name="직사각형 4"/>
+          <p:cNvSpPr/>
+          <p:nvPr/>
+        </p:nvSpPr>
+        <p:spPr>
+          <a:xfrm>
+            <a:off x="975946" y="1485898"/>
+            <a:ext cx="4932481" cy="4967655"/>
+          </a:xfrm>
+          <a:prstGeom prst="rect">
+            <a:avLst/>
+          </a:prstGeom>
+        </p:spPr>
+        <p:style>
+          <a:lnRef idx="2">
+            <a:schemeClr val="accent1">
+              <a:shade val="50000"/>
+            </a:schemeClr>
+          </a:lnRef>
+          <a:fillRef idx="1">
+            <a:schemeClr val="accent1"/>
+          </a:fillRef>
+          <a:effectRef idx="0">
+            <a:schemeClr val="accent1"/>
+          </a:effectRef>
+          <a:fontRef idx="minor">
+            <a:schemeClr val="lt1"/>
+          </a:fontRef>
+        </p:style>
+        <p:txBody>
+          <a:bodyPr rtlCol="0" anchor="ctr"/>
+          <a:lstStyle/>
+          <a:p>
+            <a:pPr marL="342900" indent="-342900">
+              <a:lnSpc>
+                <a:spcPct val="200000"/>
+              </a:lnSpc>
+              <a:buAutoNum type="arabicPeriod"/>
+            </a:pPr>
+            <a:r>
+              <a:rPr lang="en-US" altLang="ko-KR" sz="1500" dirty="0" smtClean="0"/>
+              <a:t>1</a:t>
+            </a:r>
+            <a:r>
+              <a:rPr lang="ko-KR" altLang="en-US" sz="1500" dirty="0" smtClean="0"/>
+              <a:t>초마다 명교 참가자 목록 가져오기</a:t>
+            </a:r>
+            <a:r>
+              <a:rPr lang="en-US" altLang="ko-KR" sz="1500" dirty="0" smtClean="0"/>
+              <a:t>(Static </a:t>
+            </a:r>
+            <a:r>
+              <a:rPr lang="ko-KR" altLang="en-US" sz="1500" dirty="0" smtClean="0"/>
+              <a:t>자원</a:t>
+            </a:r>
+            <a:r>
+              <a:rPr lang="en-US" altLang="ko-KR" sz="1500" dirty="0" smtClean="0"/>
+              <a:t>)</a:t>
+            </a:r>
+          </a:p>
+          <a:p>
+            <a:pPr marL="342900" indent="-342900">
+              <a:lnSpc>
+                <a:spcPct val="200000"/>
+              </a:lnSpc>
+              <a:buAutoNum type="arabicPeriod"/>
+            </a:pPr>
+            <a:r>
+              <a:rPr lang="ko-KR" altLang="en-US" sz="1500" dirty="0" smtClean="0"/>
+              <a:t>명교 참가자가 </a:t>
+            </a:r>
+            <a:r>
+              <a:rPr lang="en-US" altLang="ko-KR" sz="1500" dirty="0" smtClean="0"/>
+              <a:t>2</a:t>
+            </a:r>
+            <a:r>
+              <a:rPr lang="ko-KR" altLang="en-US" sz="1500" dirty="0" smtClean="0"/>
+              <a:t>명 이상이면 명교</a:t>
+            </a:r>
+            <a:r>
+              <a:rPr lang="en-US" altLang="ko-KR" sz="1500" dirty="0" smtClean="0"/>
+              <a:t>(if</a:t>
+            </a:r>
+            <a:r>
+              <a:rPr lang="ko-KR" altLang="en-US" sz="1500" dirty="0" smtClean="0"/>
+              <a:t>문</a:t>
+            </a:r>
+            <a:r>
+              <a:rPr lang="en-US" altLang="ko-KR" sz="1500" dirty="0" smtClean="0"/>
+              <a:t>)</a:t>
+            </a:r>
+            <a:r>
+              <a:rPr lang="ko-KR" altLang="en-US" sz="1500" dirty="0" smtClean="0"/>
+              <a:t> 시작</a:t>
+            </a:r>
+            <a:endParaRPr lang="en-US" altLang="ko-KR" sz="1500" dirty="0" smtClean="0"/>
+          </a:p>
+          <a:p>
+            <a:pPr marL="342900" indent="-342900">
+              <a:lnSpc>
+                <a:spcPct val="200000"/>
+              </a:lnSpc>
+              <a:buAutoNum type="arabicPeriod"/>
+            </a:pPr>
+            <a:r>
+              <a:rPr lang="ko-KR" altLang="en-US" sz="1500" dirty="0" smtClean="0"/>
+              <a:t>명교 대기자 목록 </a:t>
+            </a:r>
+            <a:r>
+              <a:rPr lang="en-US" altLang="ko-KR" sz="1500" dirty="0" smtClean="0"/>
+              <a:t>shuffle</a:t>
+            </a:r>
+          </a:p>
+          <a:p>
+            <a:pPr marL="342900" indent="-342900">
+              <a:lnSpc>
+                <a:spcPct val="200000"/>
+              </a:lnSpc>
+              <a:buAutoNum type="arabicPeriod"/>
+            </a:pPr>
+            <a:r>
+              <a:rPr lang="en-US" altLang="ko-KR" sz="1500" dirty="0" smtClean="0"/>
+              <a:t>2</a:t>
+            </a:r>
+            <a:r>
+              <a:rPr lang="ko-KR" altLang="en-US" sz="1500" dirty="0" smtClean="0"/>
+              <a:t>명만 미션 수행 알림</a:t>
+            </a:r>
+            <a:endParaRPr lang="en-US" altLang="ko-KR" sz="1500" dirty="0" smtClean="0"/>
+          </a:p>
+          <a:p>
+            <a:pPr marL="342900" indent="-342900">
+              <a:lnSpc>
+                <a:spcPct val="200000"/>
+              </a:lnSpc>
+              <a:buAutoNum type="arabicPeriod"/>
+            </a:pPr>
+            <a:r>
+              <a:rPr lang="en-US" altLang="ko-KR" sz="1500" dirty="0" smtClean="0"/>
+              <a:t>30</a:t>
+            </a:r>
+            <a:r>
+              <a:rPr lang="ko-KR" altLang="en-US" sz="1500" dirty="0" smtClean="0"/>
+              <a:t>초 </a:t>
+            </a:r>
+            <a:r>
+              <a:rPr lang="en-US" altLang="ko-KR" sz="1500" dirty="0" smtClean="0"/>
+              <a:t>sleep</a:t>
+            </a:r>
+          </a:p>
+        </p:txBody>
+      </p:sp>
+      <p:sp>
+        <p:nvSpPr>
+          <p:cNvPr id="6" name="Rectangle 2"/>
+          <p:cNvSpPr>
+            <a:spLocks noChangeArrowheads="1"/>
+          </p:cNvSpPr>
+          <p:nvPr/>
+        </p:nvSpPr>
+        <p:spPr bwMode="auto">
+          <a:xfrm>
+            <a:off x="7228009" y="5046478"/>
+            <a:ext cx="2918314" cy="1015663"/>
+          </a:xfrm>
+          <a:prstGeom prst="rect">
+            <a:avLst/>
+          </a:prstGeom>
+          <a:solidFill>
+            <a:srgbClr val="2B2B2B"/>
+          </a:solidFill>
+          <a:ln>
+            <a:noFill/>
+          </a:ln>
+          <a:effectLst/>
+          <a:extLst>
+            <a:ext uri="{91240B29-F687-4F45-9708-019B960494DF}">
+              <a14:hiddenLine xmlns:a14="http://schemas.microsoft.com/office/drawing/2010/main" w="9525">
+                <a:solidFill>
+                  <a:schemeClr val="tx1"/>
+                </a:solidFill>
+                <a:miter lim="800000"/>
+                <a:headEnd/>
+                <a:tailEnd/>
+              </a14:hiddenLine>
+            </a:ext>
+            <a:ext uri="{AF507438-7753-43E0-B8FC-AC1667EBCBE1}">
+              <a14:hiddenEffects xmlns:a14="http://schemas.microsoft.com/office/drawing/2010/main">
+                <a:effectLst>
+                  <a:outerShdw dist="35921" dir="2700000" algn="ctr" rotWithShape="0">
+                    <a:schemeClr val="bg2"/>
+                  </a:outerShdw>
+                </a:effectLst>
+              </a14:hiddenEffects>
+            </a:ext>
+          </a:extLst>
+        </p:spPr>
+        <p:txBody>
+          <a:bodyPr vert="horz" wrap="square" lIns="91440" tIns="45720" rIns="91440" bIns="45720" numCol="1" anchor="ctr" anchorCtr="0" compatLnSpc="1">
+            <a:prstTxWarp prst="textNoShape">
+              <a:avLst/>
+            </a:prstTxWarp>
+            <a:spAutoFit/>
+          </a:bodyPr>
+          <a:lstStyle/>
+          <a:p>
+            <a:pPr lvl="0" eaLnBrk="0" fontAlgn="base" latinLnBrk="0" hangingPunct="0">
+              <a:spcBef>
+                <a:spcPct val="0"/>
+              </a:spcBef>
+              <a:spcAft>
+                <a:spcPct val="0"/>
+              </a:spcAft>
+            </a:pPr>
+            <a:r>
+              <a:rPr lang="en-US" altLang="ko-KR" sz="1500" b="1" dirty="0" smtClean="0">
+                <a:solidFill>
+                  <a:srgbClr val="00B050"/>
+                </a:solidFill>
+                <a:latin typeface="Arial" panose="020B0604020202020204" pitchFamily="34" charset="0"/>
+              </a:rPr>
+              <a:t>data : {</a:t>
+            </a:r>
+          </a:p>
+          <a:p>
+            <a:pPr lvl="1" eaLnBrk="0" fontAlgn="base" latinLnBrk="0" hangingPunct="0">
+              <a:spcBef>
+                <a:spcPct val="0"/>
+              </a:spcBef>
+              <a:spcAft>
+                <a:spcPct val="0"/>
+              </a:spcAft>
+            </a:pPr>
+            <a:r>
+              <a:rPr lang="en-US" altLang="ko-KR" sz="1500" b="1" dirty="0" smtClean="0">
+                <a:solidFill>
+                  <a:srgbClr val="00B050"/>
+                </a:solidFill>
+                <a:latin typeface="Arial" panose="020B0604020202020204" pitchFamily="34" charset="0"/>
+              </a:rPr>
+              <a:t>a</a:t>
+            </a:r>
+            <a:r>
+              <a:rPr kumimoji="0" lang="en-US" altLang="ko-KR" sz="1500" b="1" u="none" strike="noStrike" cap="none" normalizeH="0" baseline="0" dirty="0" smtClean="0">
+                <a:ln>
+                  <a:noFill/>
+                </a:ln>
+                <a:solidFill>
+                  <a:srgbClr val="00B050"/>
+                </a:solidFill>
+                <a:effectLst/>
+                <a:latin typeface="Arial" panose="020B0604020202020204" pitchFamily="34" charset="0"/>
+              </a:rPr>
+              <a:t>ction</a:t>
+            </a:r>
+            <a:r>
+              <a:rPr kumimoji="0" lang="en-US" altLang="ko-KR" sz="1500" b="1" u="none" strike="noStrike" cap="none" normalizeH="0" dirty="0" smtClean="0">
+                <a:ln>
+                  <a:noFill/>
+                </a:ln>
+                <a:solidFill>
+                  <a:srgbClr val="00B050"/>
+                </a:solidFill>
+                <a:effectLst/>
+                <a:latin typeface="Arial" panose="020B0604020202020204" pitchFamily="34" charset="0"/>
+              </a:rPr>
+              <a:t> : </a:t>
+            </a:r>
+            <a:r>
+              <a:rPr kumimoji="0" lang="en-US" altLang="ko-KR" sz="1500" b="1" u="none" strike="noStrike" cap="none" normalizeH="0" dirty="0" err="1" smtClean="0">
+                <a:ln>
+                  <a:noFill/>
+                </a:ln>
+                <a:solidFill>
+                  <a:srgbClr val="00B050"/>
+                </a:solidFill>
+                <a:effectLst/>
+                <a:latin typeface="Arial" panose="020B0604020202020204" pitchFamily="34" charset="0"/>
+              </a:rPr>
+              <a:t>exchangeStart</a:t>
+            </a:r>
+            <a:r>
+              <a:rPr kumimoji="0" lang="en-US" altLang="ko-KR" sz="1500" b="1" u="none" strike="noStrike" cap="none" normalizeH="0" dirty="0" smtClean="0">
+                <a:ln>
+                  <a:noFill/>
+                </a:ln>
+                <a:solidFill>
+                  <a:srgbClr val="00B050"/>
+                </a:solidFill>
+                <a:effectLst/>
+                <a:latin typeface="Arial" panose="020B0604020202020204" pitchFamily="34" charset="0"/>
+              </a:rPr>
+              <a:t>,</a:t>
+            </a:r>
+          </a:p>
+          <a:p>
+            <a:pPr lvl="1" eaLnBrk="0" fontAlgn="base" latinLnBrk="0" hangingPunct="0">
+              <a:spcBef>
+                <a:spcPct val="0"/>
+              </a:spcBef>
+              <a:spcAft>
+                <a:spcPct val="0"/>
+              </a:spcAft>
+            </a:pPr>
+            <a:r>
+              <a:rPr lang="en-US" altLang="ko-KR" sz="1500" b="1" baseline="0" dirty="0" smtClean="0">
+                <a:solidFill>
+                  <a:srgbClr val="00B050"/>
+                </a:solidFill>
+                <a:latin typeface="Arial" panose="020B0604020202020204" pitchFamily="34" charset="0"/>
+              </a:rPr>
+              <a:t>turn : 1(</a:t>
+            </a:r>
+            <a:r>
+              <a:rPr lang="ko-KR" altLang="en-US" sz="1500" b="1" dirty="0" err="1" smtClean="0">
+                <a:solidFill>
+                  <a:srgbClr val="00B050"/>
+                </a:solidFill>
+                <a:latin typeface="Arial" panose="020B0604020202020204" pitchFamily="34" charset="0"/>
+              </a:rPr>
+              <a:t>명교시</a:t>
+            </a:r>
+            <a:r>
+              <a:rPr lang="ko-KR" altLang="en-US" sz="1500" b="1" dirty="0" smtClean="0">
+                <a:solidFill>
+                  <a:srgbClr val="00B050"/>
+                </a:solidFill>
+                <a:latin typeface="Arial" panose="020B0604020202020204" pitchFamily="34" charset="0"/>
+              </a:rPr>
+              <a:t> 증가</a:t>
+            </a:r>
+            <a:r>
+              <a:rPr lang="en-US" altLang="ko-KR" sz="1500" b="1" baseline="0" dirty="0" smtClean="0">
+                <a:solidFill>
+                  <a:srgbClr val="00B050"/>
+                </a:solidFill>
+                <a:latin typeface="Arial" panose="020B0604020202020204" pitchFamily="34" charset="0"/>
+              </a:rPr>
+              <a:t>)</a:t>
+            </a:r>
+          </a:p>
+          <a:p>
+            <a:pPr lvl="1" eaLnBrk="0" fontAlgn="base" latinLnBrk="0" hangingPunct="0">
+              <a:spcBef>
+                <a:spcPct val="0"/>
+              </a:spcBef>
+              <a:spcAft>
+                <a:spcPct val="0"/>
+              </a:spcAft>
+            </a:pPr>
+            <a:r>
+              <a:rPr kumimoji="0" lang="en-US" altLang="ko-KR" sz="1500" b="1" u="none" strike="noStrike" cap="none" normalizeH="0" dirty="0">
+                <a:ln>
+                  <a:noFill/>
+                </a:ln>
+                <a:solidFill>
+                  <a:srgbClr val="00B050"/>
+                </a:solidFill>
+                <a:effectLst/>
+                <a:latin typeface="Arial" panose="020B0604020202020204" pitchFamily="34" charset="0"/>
+              </a:rPr>
+              <a:t>}</a:t>
+            </a:r>
+            <a:endParaRPr kumimoji="0" lang="ko-KR" altLang="ko-KR" sz="1500" u="none" strike="noStrike" cap="none" normalizeH="0" baseline="0" dirty="0" smtClean="0">
+              <a:ln>
+                <a:noFill/>
+              </a:ln>
+              <a:solidFill>
+                <a:srgbClr val="00B050"/>
+              </a:solidFill>
+              <a:effectLst/>
+              <a:latin typeface="Arial" panose="020B0604020202020204" pitchFamily="34" charset="0"/>
+            </a:endParaRPr>
+          </a:p>
+        </p:txBody>
+      </p:sp>
+      <p:cxnSp>
+        <p:nvCxnSpPr>
+          <p:cNvPr id="8" name="직선 화살표 연결선 7"/>
+          <p:cNvCxnSpPr/>
+          <p:nvPr/>
+        </p:nvCxnSpPr>
+        <p:spPr>
+          <a:xfrm>
+            <a:off x="3569677" y="4457700"/>
+            <a:ext cx="3516923" cy="1096609"/>
+          </a:xfrm>
+          <a:prstGeom prst="straightConnector1">
+            <a:avLst/>
+          </a:prstGeom>
+          <a:ln w="57150">
+            <a:tailEnd type="triangle"/>
+          </a:ln>
+        </p:spPr>
+        <p:style>
+          <a:lnRef idx="1">
+            <a:schemeClr val="dk1"/>
+          </a:lnRef>
+          <a:fillRef idx="0">
+            <a:schemeClr val="dk1"/>
+          </a:fillRef>
+          <a:effectRef idx="0">
+            <a:schemeClr val="dk1"/>
+          </a:effectRef>
+          <a:fontRef idx="minor">
+            <a:schemeClr val="tx1"/>
+          </a:fontRef>
+        </p:style>
+      </p:cxnSp>
+      <p:sp>
+        <p:nvSpPr>
+          <p:cNvPr id="10" name="직사각형 9"/>
+          <p:cNvSpPr/>
+          <p:nvPr/>
+        </p:nvSpPr>
+        <p:spPr>
+          <a:xfrm>
+            <a:off x="6419849" y="1485898"/>
+            <a:ext cx="5345724" cy="1707287"/>
+          </a:xfrm>
+          <a:prstGeom prst="rect">
+            <a:avLst/>
+          </a:prstGeom>
+        </p:spPr>
+        <p:style>
+          <a:lnRef idx="2">
+            <a:schemeClr val="accent1">
+              <a:shade val="50000"/>
+            </a:schemeClr>
+          </a:lnRef>
+          <a:fillRef idx="1">
+            <a:schemeClr val="accent1"/>
+          </a:fillRef>
+          <a:effectRef idx="0">
+            <a:schemeClr val="accent1"/>
+          </a:effectRef>
+          <a:fontRef idx="minor">
+            <a:schemeClr val="lt1"/>
+          </a:fontRef>
+        </p:style>
+        <p:txBody>
+          <a:bodyPr rtlCol="0" anchor="ctr"/>
+          <a:lstStyle/>
+          <a:p>
+            <a:pPr marL="342900" indent="-342900">
+              <a:buAutoNum type="arabicPeriod"/>
+            </a:pPr>
+            <a:r>
+              <a:rPr lang="en-US" altLang="ko-KR" dirty="0" smtClean="0"/>
+              <a:t>signal</a:t>
+            </a:r>
+            <a:r>
+              <a:rPr lang="ko-KR" altLang="en-US" dirty="0" smtClean="0"/>
+              <a:t>을 </a:t>
+            </a:r>
+            <a:r>
+              <a:rPr lang="ko-KR" altLang="en-US" dirty="0" err="1" smtClean="0"/>
+              <a:t>수신시</a:t>
+            </a:r>
+            <a:r>
+              <a:rPr lang="ko-KR" altLang="en-US" dirty="0" smtClean="0"/>
+              <a:t> </a:t>
+            </a:r>
+            <a:r>
+              <a:rPr lang="ko-KR" altLang="en-US" dirty="0" err="1" smtClean="0"/>
+              <a:t>명교창으로</a:t>
+            </a:r>
+            <a:r>
+              <a:rPr lang="ko-KR" altLang="en-US" dirty="0" smtClean="0"/>
+              <a:t> 이동</a:t>
+            </a:r>
+            <a:r>
+              <a:rPr lang="en-US" altLang="ko-KR" dirty="0" smtClean="0"/>
+              <a:t>(?)</a:t>
+            </a:r>
+          </a:p>
+          <a:p>
+            <a:pPr marL="342900" indent="-342900">
+              <a:buAutoNum type="arabicPeriod"/>
+            </a:pPr>
+            <a:r>
+              <a:rPr lang="ko-KR" altLang="en-US" dirty="0" smtClean="0"/>
+              <a:t>명교 결과 </a:t>
+            </a:r>
+            <a:r>
+              <a:rPr lang="en-US" altLang="ko-KR" dirty="0" smtClean="0"/>
+              <a:t>signal</a:t>
+            </a:r>
+            <a:r>
+              <a:rPr lang="ko-KR" altLang="en-US" dirty="0" smtClean="0"/>
+              <a:t>로 보내기</a:t>
+            </a:r>
+            <a:endParaRPr lang="en-US" altLang="ko-KR" dirty="0" smtClean="0"/>
+          </a:p>
+          <a:p>
+            <a:pPr marL="342900" indent="-342900">
+              <a:buAutoNum type="arabicPeriod"/>
+            </a:pPr>
+            <a:r>
+              <a:rPr lang="ko-KR" altLang="en-US" dirty="0" smtClean="0"/>
+              <a:t>결과 확인 후 </a:t>
+            </a:r>
+            <a:r>
+              <a:rPr lang="ko-KR" altLang="en-US" dirty="0" smtClean="0"/>
+              <a:t>경찰총장</a:t>
+            </a:r>
+            <a:r>
+              <a:rPr lang="ko-KR" altLang="en-US" dirty="0" smtClean="0"/>
+              <a:t>에게 </a:t>
+            </a:r>
+            <a:r>
+              <a:rPr lang="en-US" altLang="ko-KR" dirty="0" smtClean="0"/>
+              <a:t>signal</a:t>
+            </a:r>
+            <a:r>
+              <a:rPr lang="ko-KR" altLang="en-US" dirty="0" smtClean="0"/>
+              <a:t>보내기</a:t>
+            </a:r>
+            <a:endParaRPr lang="en-US" altLang="ko-KR" dirty="0" smtClean="0"/>
+          </a:p>
+          <a:p>
+            <a:pPr marL="342900" indent="-342900">
+              <a:buAutoNum type="arabicPeriod"/>
+            </a:pPr>
+            <a:r>
+              <a:rPr lang="en-US" altLang="ko-KR" dirty="0" smtClean="0"/>
+              <a:t>Front</a:t>
+            </a:r>
+            <a:r>
+              <a:rPr lang="ko-KR" altLang="en-US" dirty="0" smtClean="0"/>
+              <a:t>에서 받아서 결과 띄우기</a:t>
+            </a:r>
+            <a:endParaRPr lang="en-US" altLang="ko-KR" dirty="0" smtClean="0"/>
+          </a:p>
+        </p:txBody>
+      </p:sp>
+      <p:sp>
+        <p:nvSpPr>
+          <p:cNvPr id="11" name="직사각형 10"/>
+          <p:cNvSpPr/>
+          <p:nvPr/>
+        </p:nvSpPr>
+        <p:spPr>
+          <a:xfrm>
+            <a:off x="7372716" y="562708"/>
+            <a:ext cx="3323492" cy="571500"/>
+          </a:xfrm>
+          <a:prstGeom prst="rect">
+            <a:avLst/>
+          </a:prstGeom>
+        </p:spPr>
+        <p:style>
+          <a:lnRef idx="2">
+            <a:schemeClr val="accent4">
+              <a:shade val="50000"/>
+            </a:schemeClr>
+          </a:lnRef>
+          <a:fillRef idx="1">
+            <a:schemeClr val="accent4"/>
+          </a:fillRef>
+          <a:effectRef idx="0">
+            <a:schemeClr val="accent4"/>
+          </a:effectRef>
+          <a:fontRef idx="minor">
+            <a:schemeClr val="lt1"/>
+          </a:fontRef>
+        </p:style>
+        <p:txBody>
+          <a:bodyPr rtlCol="0" anchor="ctr"/>
+          <a:lstStyle/>
+          <a:p>
+            <a:pPr algn="ctr"/>
+            <a:r>
+              <a:rPr lang="en-US" altLang="ko-KR" sz="2400" b="1" dirty="0" smtClean="0">
+                <a:solidFill>
+                  <a:schemeClr val="tx1"/>
+                </a:solidFill>
+              </a:rPr>
+              <a:t>Front</a:t>
+            </a:r>
+            <a:endParaRPr lang="ko-KR" altLang="en-US" b="1" dirty="0">
+              <a:solidFill>
+                <a:schemeClr val="tx1"/>
+              </a:solidFill>
+            </a:endParaRPr>
+          </a:p>
+        </p:txBody>
+      </p:sp>
+    </p:spTree>
+    <p:extLst>
+      <p:ext uri="{BB962C8B-B14F-4D97-AF65-F5344CB8AC3E}">
+        <p14:creationId xmlns:p14="http://schemas.microsoft.com/office/powerpoint/2010/main" val="3514555979"/>
+      </p:ext>
+    </p:extLst>
+  </p:cSld>
+  <p:clrMapOvr>
+    <a:masterClrMapping/>
+  </p:clrMapOvr>
+</p:sld>
+</file>
+
+<file path=ppt/slides/slide12.xml><?xml version="1.0" encoding="utf-8"?>
+<p:sld xmlns:a="http://schemas.openxmlformats.org/drawingml/2006/main" xmlns:r="http://schemas.openxmlformats.org/officeDocument/2006/relationships" xmlns:p="http://schemas.openxmlformats.org/presentationml/2006/main">
+  <p:cSld>
+    <p:spTree>
+      <p:nvGrpSpPr>
+        <p:cNvPr id="1" name=""/>
+        <p:cNvGrpSpPr/>
+        <p:nvPr/>
+      </p:nvGrpSpPr>
+      <p:grpSpPr>
+        <a:xfrm>
+          <a:off x="0" y="0"/>
+          <a:ext cx="0" cy="0"/>
+          <a:chOff x="0" y="0"/>
+          <a:chExt cx="0" cy="0"/>
+        </a:xfrm>
+      </p:grpSpPr>
+      <p:sp>
+        <p:nvSpPr>
           <p:cNvPr id="4" name="직사각형 3"/>
           <p:cNvSpPr/>
           <p:nvPr/>
@@ -3697,7 +4435,7 @@
 </p:sld>
 </file>
 
-<file path=ppt/slides/slide11.xml><?xml version="1.0" encoding="utf-8"?>
+<file path=ppt/slides/slide13.xml><?xml version="1.0" encoding="utf-8"?>
 <p:sld xmlns:a="http://schemas.openxmlformats.org/drawingml/2006/main" xmlns:r="http://schemas.openxmlformats.org/officeDocument/2006/relationships" xmlns:p="http://schemas.openxmlformats.org/presentationml/2006/main">
   <p:cSld>
     <p:spTree>
@@ -3762,7 +4500,7 @@
 </p:sld>
 </file>
 
-<file path=ppt/slides/slide12.xml><?xml version="1.0" encoding="utf-8"?>
+<file path=ppt/slides/slide14.xml><?xml version="1.0" encoding="utf-8"?>
 <p:sld xmlns:a="http://schemas.openxmlformats.org/drawingml/2006/main" xmlns:r="http://schemas.openxmlformats.org/officeDocument/2006/relationships" xmlns:p="http://schemas.openxmlformats.org/presentationml/2006/main">
   <p:cSld>
     <p:spTree>
@@ -4028,21 +4766,7 @@
                 <a:latin typeface="Arial Unicode MS" panose="020B0604020202020204" pitchFamily="50" charset="-127"/>
                 <a:ea typeface="JetBrains Mono"/>
               </a:rPr>
-              <a:t> : </a:t>
-            </a:r>
-            <a:r>
-              <a:rPr kumimoji="0" lang="ko-KR" altLang="ko-KR" sz="1600" b="1" u="none" strike="noStrike" cap="none" normalizeH="0" baseline="0" dirty="0" smtClean="0">
-                <a:ln>
-                  <a:noFill/>
-                </a:ln>
-                <a:solidFill>
-                  <a:srgbClr val="00B050"/>
-                </a:solidFill>
-                <a:effectLst/>
-                <a:latin typeface="Arial Unicode MS" panose="020B0604020202020204" pitchFamily="50" charset="-127"/>
-                <a:ea typeface="JetBrains Mono"/>
-              </a:rPr>
-              <a:t>'</a:t>
+              <a:t> : '</a:t>
             </a:r>
             <a:r>
               <a:rPr kumimoji="0" lang="ko-KR" altLang="ko-KR" sz="1600" b="1" u="none" strike="noStrike" cap="none" normalizeH="0" baseline="0" dirty="0" err="1" smtClean="0">
@@ -4153,6 +4877,16 @@
                 <a:latin typeface="Arial Unicode MS" panose="020B0604020202020204" pitchFamily="50" charset="-127"/>
                 <a:ea typeface="JetBrains Mono"/>
               </a:rPr>
+              <a:t> :</a:t>
+            </a:r>
+            <a:r>
+              <a:rPr lang="en-US" altLang="ko-KR" sz="1600" b="1" dirty="0">
+                <a:solidFill>
+                  <a:srgbClr val="00B050"/>
+                </a:solidFill>
+                <a:latin typeface="Arial Unicode MS" panose="020B0604020202020204" pitchFamily="50" charset="-127"/>
+                <a:ea typeface="JetBrains Mono"/>
+              </a:rPr>
               <a:t> </a:t>
             </a:r>
             <a:r>
@@ -4167,45 +4901,7 @@
                 <a:latin typeface="Arial Unicode MS" panose="020B0604020202020204" pitchFamily="50" charset="-127"/>
                 <a:ea typeface="JetBrains Mono"/>
               </a:rPr>
-              <a:t>:</a:t>
-            </a:r>
-            <a:r>
-              <a:rPr lang="en-US" altLang="ko-KR" sz="1600" b="1" dirty="0">
-                <a:solidFill>
-                  <a:srgbClr val="00B050"/>
-                </a:solidFill>
-                <a:latin typeface="Arial Unicode MS" panose="020B0604020202020204" pitchFamily="50" charset="-127"/>
-                <a:ea typeface="JetBrains Mono"/>
-              </a:rPr>
-              <a:t> </a:t>
-            </a:r>
-            <a:r>
-              <a:rPr kumimoji="0" lang="ko-KR" altLang="ko-KR" sz="1600" b="1" u="none" strike="noStrike" cap="none" normalizeH="0" baseline="0" dirty="0" smtClean="0">
-                <a:ln>
-                  <a:noFill/>
-                </a:ln>
-                <a:solidFill>
-                  <a:srgbClr val="00B050"/>
-                </a:solidFill>
-                <a:effectLst/>
-                <a:latin typeface="Arial Unicode MS" panose="020B0604020202020204" pitchFamily="50" charset="-127"/>
-                <a:ea typeface="JetBrains Mono"/>
-              </a:rPr>
               <a:t>{</a:t>
-            </a:r>
-            <a:r>
-              <a:rPr kumimoji="0" lang="ko-KR" altLang="ko-KR" sz="1600" b="1" u="none" strike="noStrike" cap="none" normalizeH="0" baseline="0" dirty="0" smtClean="0">
-                <a:ln>
-                  <a:noFill/>
-                </a:ln>
-                <a:solidFill>
-                  <a:srgbClr val="00B050"/>
-                </a:solidFill>
-                <a:effectLst/>
-                <a:latin typeface="Arial Unicode MS" panose="020B0604020202020204" pitchFamily="50" charset="-127"/>
-                <a:ea typeface="JetBrains Mono"/>
-              </a:rPr>
-              <a:t/>
             </a:r>
             <a:br>
               <a:rPr kumimoji="0" lang="ko-KR" altLang="ko-KR" sz="1600" b="1" u="none" strike="noStrike" cap="none" normalizeH="0" baseline="0" dirty="0" smtClean="0">
@@ -4315,21 +5011,7 @@
                 <a:latin typeface="Arial Unicode MS" panose="020B0604020202020204" pitchFamily="50" charset="-127"/>
                 <a:ea typeface="JetBrains Mono"/>
               </a:rPr>
-              <a:t> </a:t>
-            </a:r>
-            <a:r>
-              <a:rPr kumimoji="0" lang="ko-KR" altLang="ko-KR" sz="1600" b="1" u="none" strike="noStrike" cap="none" normalizeH="0" baseline="0" dirty="0" smtClean="0">
-                <a:ln>
-                  <a:noFill/>
-                </a:ln>
-                <a:solidFill>
-                  <a:srgbClr val="00B050"/>
-                </a:solidFill>
-                <a:effectLst/>
-                <a:latin typeface="Arial Unicode MS" panose="020B0604020202020204" pitchFamily="50" charset="-127"/>
-                <a:ea typeface="JetBrains Mono"/>
-              </a:rPr>
-              <a:t> }</a:t>
+              <a:t>  }</a:t>
             </a:r>
             <a:endParaRPr kumimoji="0" lang="ko-KR" altLang="ko-KR" sz="4000" b="1" u="none" strike="noStrike" cap="none" normalizeH="0" baseline="0" dirty="0" smtClean="0">
               <a:ln>
@@ -4651,201 +5333,6 @@
 </p:sld>
 </file>
 
-<file path=ppt/slides/slide13.xml><?xml version="1.0" encoding="utf-8"?>
-<p:sld xmlns:a="http://schemas.openxmlformats.org/drawingml/2006/main" xmlns:r="http://schemas.openxmlformats.org/officeDocument/2006/relationships" xmlns:p="http://schemas.openxmlformats.org/presentationml/2006/main">
-  <p:cSld>
-    <p:spTree>
-      <p:nvGrpSpPr>
-        <p:cNvPr id="1" name=""/>
-        <p:cNvGrpSpPr/>
-        <p:nvPr/>
-      </p:nvGrpSpPr>
-      <p:grpSpPr>
-        <a:xfrm>
-          <a:off x="0" y="0"/>
-          <a:ext cx="0" cy="0"/>
-          <a:chOff x="0" y="0"/>
-          <a:chExt cx="0" cy="0"/>
-        </a:xfrm>
-      </p:grpSpPr>
-      <p:sp>
-        <p:nvSpPr>
-          <p:cNvPr id="2" name="제목 1"/>
-          <p:cNvSpPr>
-            <a:spLocks noGrp="1"/>
-          </p:cNvSpPr>
-          <p:nvPr>
-            <p:ph type="title"/>
-          </p:nvPr>
-        </p:nvSpPr>
-        <p:spPr/>
-        <p:txBody>
-          <a:bodyPr/>
-          <a:lstStyle/>
-          <a:p>
-            <a:r>
-              <a:rPr lang="en-US" altLang="ko-KR" dirty="0" smtClean="0"/>
-              <a:t>6. </a:t>
-            </a:r>
-            <a:r>
-              <a:rPr lang="ko-KR" altLang="en-US" dirty="0" smtClean="0"/>
-              <a:t>발생 가능한 문제들</a:t>
-            </a:r>
-            <a:endParaRPr lang="ko-KR" altLang="en-US" dirty="0"/>
-          </a:p>
-        </p:txBody>
-      </p:sp>
-      <p:sp>
-        <p:nvSpPr>
-          <p:cNvPr id="3" name="내용 개체 틀 2"/>
-          <p:cNvSpPr>
-            <a:spLocks noGrp="1"/>
-          </p:cNvSpPr>
-          <p:nvPr>
-            <p:ph idx="1"/>
-          </p:nvPr>
-        </p:nvSpPr>
-        <p:spPr/>
-        <p:txBody>
-          <a:bodyPr>
-            <a:normAutofit/>
-          </a:bodyPr>
-          <a:lstStyle/>
-          <a:p>
-            <a:pPr marL="0" indent="0">
-              <a:buNone/>
-            </a:pPr>
-            <a:r>
-              <a:rPr lang="en-US" altLang="ko-KR" sz="2400" dirty="0" smtClean="0"/>
-              <a:t>1. </a:t>
-            </a:r>
-            <a:r>
-              <a:rPr lang="ko-KR" altLang="en-US" sz="2400" dirty="0" smtClean="0"/>
-              <a:t>도중에 </a:t>
-            </a:r>
-            <a:r>
-              <a:rPr lang="ko-KR" altLang="en-US" sz="2400" dirty="0" err="1" smtClean="0"/>
-              <a:t>키라나</a:t>
-            </a:r>
-            <a:r>
-              <a:rPr lang="ko-KR" altLang="en-US" sz="2400" dirty="0" smtClean="0"/>
-              <a:t> 마지막 경찰이 나갔을 때 스킬사용해야 게임 끝남</a:t>
-            </a:r>
-            <a:r>
-              <a:rPr lang="en-US" altLang="ko-KR" sz="2400" dirty="0" smtClean="0"/>
-              <a:t>.</a:t>
-            </a:r>
-          </a:p>
-          <a:p>
-            <a:pPr marL="0" indent="0">
-              <a:buNone/>
-            </a:pPr>
-            <a:r>
-              <a:rPr lang="en-US" altLang="ko-KR" sz="2400" dirty="0" smtClean="0"/>
-              <a:t>2. </a:t>
-            </a:r>
-            <a:r>
-              <a:rPr lang="ko-KR" altLang="en-US" sz="2400" dirty="0" smtClean="0"/>
-              <a:t>명교 화면 이동시 </a:t>
-            </a:r>
-            <a:r>
-              <a:rPr lang="en-US" altLang="ko-KR" sz="2400" dirty="0" smtClean="0"/>
-              <a:t>Session</a:t>
-            </a:r>
-            <a:r>
-              <a:rPr lang="ko-KR" altLang="en-US" sz="2400" dirty="0" smtClean="0"/>
-              <a:t>을 바꾸지 않고 가능할지</a:t>
-            </a:r>
-            <a:r>
-              <a:rPr lang="en-US" altLang="ko-KR" sz="2400" dirty="0" smtClean="0"/>
-              <a:t>??</a:t>
-            </a:r>
-          </a:p>
-          <a:p>
-            <a:pPr marL="0" indent="0">
-              <a:buNone/>
-            </a:pPr>
-            <a:r>
-              <a:rPr lang="en-US" altLang="ko-KR" sz="2000" dirty="0" smtClean="0"/>
-              <a:t>(</a:t>
-            </a:r>
-            <a:r>
-              <a:rPr lang="ko-KR" altLang="en-US" sz="2000" dirty="0" smtClean="0"/>
-              <a:t>바꾸면 게임 자원을 </a:t>
-            </a:r>
-            <a:r>
-              <a:rPr lang="en-US" altLang="ko-KR" sz="2000" dirty="0" smtClean="0"/>
-              <a:t>Session</a:t>
-            </a:r>
-            <a:r>
-              <a:rPr lang="ko-KR" altLang="en-US" sz="2000" dirty="0" smtClean="0"/>
-              <a:t>별로 관리하므로 매우 복잡한 문제들이 잔뜩 일어남</a:t>
-            </a:r>
-            <a:r>
-              <a:rPr lang="en-US" altLang="ko-KR" sz="2000" dirty="0" smtClean="0"/>
-              <a:t>.)</a:t>
-            </a:r>
-          </a:p>
-          <a:p>
-            <a:pPr marL="0" indent="0">
-              <a:buNone/>
-            </a:pPr>
-            <a:r>
-              <a:rPr lang="en-US" altLang="ko-KR" sz="2400" dirty="0" smtClean="0"/>
-              <a:t>3.</a:t>
-            </a:r>
-            <a:r>
-              <a:rPr lang="ko-KR" altLang="en-US" sz="2400" dirty="0"/>
-              <a:t> </a:t>
-            </a:r>
-            <a:r>
-              <a:rPr lang="en-US" altLang="ko-KR" sz="2400" dirty="0" smtClean="0"/>
-              <a:t>Front</a:t>
-            </a:r>
-            <a:r>
-              <a:rPr lang="ko-KR" altLang="en-US" sz="2400" dirty="0" smtClean="0"/>
-              <a:t>에서 </a:t>
-            </a:r>
-            <a:r>
-              <a:rPr lang="en-US" altLang="ko-KR" sz="2400" dirty="0" smtClean="0"/>
-              <a:t>Participant </a:t>
-            </a:r>
-            <a:r>
-              <a:rPr lang="en-US" altLang="ko-KR" sz="2400" dirty="0" err="1" smtClean="0"/>
-              <a:t>privateId</a:t>
-            </a:r>
-            <a:r>
-              <a:rPr lang="en-US" altLang="ko-KR" sz="2400" dirty="0" smtClean="0"/>
-              <a:t> or </a:t>
-            </a:r>
-            <a:r>
-              <a:rPr lang="en-US" altLang="ko-KR" sz="2400" dirty="0" err="1" smtClean="0"/>
-              <a:t>publicId</a:t>
-            </a:r>
-            <a:r>
-              <a:rPr lang="ko-KR" altLang="en-US" sz="2400" dirty="0" smtClean="0"/>
-              <a:t>를 관리할 수 있는지</a:t>
-            </a:r>
-            <a:r>
-              <a:rPr lang="en-US" altLang="ko-KR" sz="2400" dirty="0" smtClean="0"/>
-              <a:t>?</a:t>
-            </a:r>
-          </a:p>
-        </p:txBody>
-      </p:sp>
-    </p:spTree>
-    <p:extLst>
-      <p:ext uri="{BB962C8B-B14F-4D97-AF65-F5344CB8AC3E}">
-        <p14:creationId xmlns:p14="http://schemas.microsoft.com/office/powerpoint/2010/main" val="854572884"/>
-      </p:ext>
-    </p:extLst>
-  </p:cSld>
-  <p:clrMapOvr>
-    <a:masterClrMapping/>
-  </p:clrMapOvr>
-</p:sld>
-</file>
-
 <file path=ppt/slides/slide2.xml><?xml version="1.0" encoding="utf-8"?>
 <p:sld xmlns:a="http://schemas.openxmlformats.org/drawingml/2006/main" xmlns:r="http://schemas.openxmlformats.org/officeDocument/2006/relationships" xmlns:p="http://schemas.openxmlformats.org/presentationml/2006/main">
   <p:cSld>
@@ -4923,7 +5410,7 @@
         </p:nvSpPr>
         <p:spPr>
           <a:xfrm>
-            <a:off x="7236069" y="800100"/>
+            <a:off x="8009792" y="800100"/>
             <a:ext cx="3323492" cy="571500"/>
           </a:xfrm>
           <a:prstGeom prst="rect">
@@ -5026,13 +5513,16 @@
       <p:cxnSp>
         <p:nvCxnSpPr>
           <p:cNvPr id="8" name="직선 화살표 연결선 7"/>
-          <p:cNvCxnSpPr/>
+          <p:cNvCxnSpPr>
+            <a:stCxn id="6" idx="3"/>
+            <a:endCxn id="11" idx="1"/>
+          </p:cNvCxnSpPr>
           <p:nvPr/>
         </p:nvCxnSpPr>
         <p:spPr>
           <a:xfrm>
-            <a:off x="4681904" y="2365128"/>
-            <a:ext cx="2497015" cy="1"/>
+            <a:off x="4624754" y="2365131"/>
+            <a:ext cx="3385038" cy="1260228"/>
           </a:xfrm>
           <a:prstGeom prst="straightConnector1">
             <a:avLst/>
@@ -5064,7 +5554,7 @@
         </p:nvSpPr>
         <p:spPr>
           <a:xfrm>
-            <a:off x="7236069" y="1951891"/>
+            <a:off x="8009792" y="3212120"/>
             <a:ext cx="3323492" cy="826477"/>
           </a:xfrm>
           <a:prstGeom prst="rect">
@@ -5124,14 +5614,15 @@
         <p:nvCxnSpPr>
           <p:cNvPr id="14" name="직선 화살표 연결선 13"/>
           <p:cNvCxnSpPr>
+            <a:stCxn id="11" idx="1"/>
             <a:endCxn id="17" idx="3"/>
           </p:cNvCxnSpPr>
           <p:nvPr/>
         </p:nvCxnSpPr>
         <p:spPr>
           <a:xfrm flipH="1">
-            <a:off x="4624754" y="2579075"/>
-            <a:ext cx="2580544" cy="1459523"/>
+            <a:off x="4624754" y="3625359"/>
+            <a:ext cx="3385038" cy="413239"/>
           </a:xfrm>
           <a:prstGeom prst="straightConnector1">
             <a:avLst/>
@@ -5302,47 +5793,19 @@
             </a:r>
             <a:r>
               <a:rPr lang="ko-KR" altLang="en-US" sz="1500" dirty="0" smtClean="0"/>
-              <a:t>상태인지 확인하면서</a:t>
-            </a:r>
-            <a:r>
-              <a:rPr lang="en-US" altLang="ko-KR" sz="1500" dirty="0" smtClean="0"/>
-              <a:t>, </a:t>
-            </a:r>
-            <a:r>
-              <a:rPr lang="ko-KR" altLang="en-US" sz="1500" dirty="0" smtClean="0"/>
-              <a:t>마지막에 </a:t>
-            </a:r>
-            <a:r>
-              <a:rPr lang="en-US" altLang="ko-KR" sz="1500" dirty="0" smtClean="0"/>
-              <a:t>Ready</a:t>
-            </a:r>
-            <a:r>
-              <a:rPr lang="ko-KR" altLang="en-US" sz="1500" dirty="0" smtClean="0"/>
-              <a:t>한 유저가 직업 설정 정보 알림</a:t>
-            </a:r>
-            <a:r>
-              <a:rPr lang="en-US" altLang="ko-KR" sz="1500" dirty="0" smtClean="0"/>
-              <a:t>(?), 5</a:t>
-            </a:r>
-            <a:r>
-              <a:rPr lang="ko-KR" altLang="en-US" sz="1500" dirty="0" smtClean="0"/>
-              <a:t>초 뒤에</a:t>
+              <a:t>상태인지 </a:t>
+            </a:r>
+            <a:r>
+              <a:rPr lang="ko-KR" altLang="en-US" sz="1500" dirty="0" smtClean="0"/>
+              <a:t>확인하면서</a:t>
             </a:r>
             <a:r>
               <a:rPr lang="en-US" altLang="ko-KR" sz="1500" dirty="0"/>
               <a:t> </a:t>
             </a:r>
             <a:r>
-              <a:rPr lang="en-US" altLang="ko-KR" sz="1500" dirty="0" smtClean="0"/>
-              <a:t>Game Start signal </a:t>
-            </a:r>
-            <a:r>
-              <a:rPr lang="ko-KR" altLang="en-US" sz="1500" dirty="0" smtClean="0"/>
-              <a:t>발송</a:t>
-            </a:r>
-            <a:r>
-              <a:rPr lang="en-US" altLang="ko-KR" sz="1500" dirty="0" smtClean="0"/>
-              <a:t>.</a:t>
+              <a:rPr lang="ko-KR" altLang="en-US" sz="1500" dirty="0" smtClean="0"/>
+              <a:t>게임 시작 충족될 인원이 되면 </a:t>
             </a:r>
             <a:endParaRPr lang="ko-KR" altLang="en-US" sz="1500" dirty="0"/>
           </a:p>
@@ -5389,7 +5852,7 @@
         </p:nvSpPr>
         <p:spPr>
           <a:xfrm>
-            <a:off x="8229598" y="5326930"/>
+            <a:off x="8080128" y="5471011"/>
             <a:ext cx="3323492" cy="826477"/>
           </a:xfrm>
           <a:prstGeom prst="rect">
@@ -5524,21 +5987,7 @@
                 <a:latin typeface="Arial Unicode MS" panose="020B0604020202020204" pitchFamily="50" charset="-127"/>
                 <a:ea typeface="JetBrains Mono"/>
               </a:rPr>
-              <a:t> : </a:t>
-            </a:r>
-            <a:r>
-              <a:rPr kumimoji="0" lang="ko-KR" altLang="ko-KR" sz="1200" b="1" u="none" strike="noStrike" cap="none" normalizeH="0" baseline="0" dirty="0" smtClean="0">
-                <a:ln>
-                  <a:noFill/>
-                </a:ln>
-                <a:solidFill>
-                  <a:srgbClr val="00B050"/>
-                </a:solidFill>
-                <a:effectLst/>
-                <a:latin typeface="Arial Unicode MS" panose="020B0604020202020204" pitchFamily="50" charset="-127"/>
-                <a:ea typeface="JetBrains Mono"/>
-              </a:rPr>
-              <a:t>'</a:t>
+              <a:t> : '</a:t>
             </a:r>
             <a:r>
               <a:rPr kumimoji="0" lang="ko-KR" altLang="ko-KR" sz="1200" b="1" u="none" strike="noStrike" cap="none" normalizeH="0" baseline="0" dirty="0" err="1" smtClean="0">
@@ -5725,20 +6174,6 @@
               </a:rPr>
               <a:t>{</a:t>
             </a:r>
-            <a:r>
-              <a:rPr kumimoji="0" lang="ko-KR" altLang="ko-KR" sz="1200" b="1" u="none" strike="noStrike" cap="none" normalizeH="0" baseline="0" dirty="0" smtClean="0">
-                <a:ln>
-                  <a:noFill/>
-                </a:ln>
-                <a:solidFill>
-                  <a:srgbClr val="00B050"/>
-                </a:solidFill>
-                <a:effectLst/>
-                <a:latin typeface="Arial Unicode MS" panose="020B0604020202020204" pitchFamily="50" charset="-127"/>
-                <a:ea typeface="JetBrains Mono"/>
-              </a:rPr>
-              <a:t/>
-            </a:r>
             <a:br>
               <a:rPr kumimoji="0" lang="ko-KR" altLang="ko-KR" sz="1200" b="1" u="none" strike="noStrike" cap="none" normalizeH="0" baseline="0" dirty="0" smtClean="0">
                 <a:ln>
@@ -5819,35 +6254,7 @@
                 <a:latin typeface="Arial Unicode MS" panose="020B0604020202020204" pitchFamily="50" charset="-127"/>
                 <a:ea typeface="JetBrains Mono"/>
               </a:rPr>
-              <a:t>  </a:t>
-            </a:r>
-            <a:r>
-              <a:rPr kumimoji="0" lang="ko-KR" altLang="ko-KR" sz="1200" b="1" u="none" strike="noStrike" cap="none" normalizeH="0" baseline="0" dirty="0" smtClean="0">
-                <a:ln>
-                  <a:noFill/>
-                </a:ln>
-                <a:solidFill>
-                  <a:srgbClr val="00B050"/>
-                </a:solidFill>
-                <a:effectLst/>
-                <a:latin typeface="Arial Unicode MS" panose="020B0604020202020204" pitchFamily="50" charset="-127"/>
-                <a:ea typeface="JetBrains Mono"/>
-              </a:rPr>
-              <a:t>GUARD : 1</a:t>
-            </a:r>
-            <a:r>
-              <a:rPr kumimoji="0" lang="ko-KR" altLang="ko-KR" sz="1200" b="1" u="none" strike="noStrike" cap="none" normalizeH="0" baseline="0" dirty="0" smtClean="0">
-                <a:ln>
-                  <a:noFill/>
-                </a:ln>
-                <a:solidFill>
-                  <a:srgbClr val="00B050"/>
-                </a:solidFill>
-                <a:effectLst/>
-                <a:latin typeface="Arial Unicode MS" panose="020B0604020202020204" pitchFamily="50" charset="-127"/>
-                <a:ea typeface="JetBrains Mono"/>
-              </a:rPr>
-              <a:t>,</a:t>
+              <a:t>  GUARD : 1,</a:t>
             </a:r>
             <a:endParaRPr lang="en-US" altLang="ko-KR" sz="1200" b="1" dirty="0">
               <a:solidFill>
@@ -5886,21 +6293,7 @@
                 <a:latin typeface="Arial Unicode MS" panose="020B0604020202020204" pitchFamily="50" charset="-127"/>
                 <a:ea typeface="JetBrains Mono"/>
               </a:rPr>
-              <a:t>  </a:t>
-            </a:r>
-            <a:r>
-              <a:rPr kumimoji="0" lang="ko-KR" altLang="ko-KR" sz="1200" b="1" u="none" strike="noStrike" cap="none" normalizeH="0" baseline="0" dirty="0" smtClean="0">
-                <a:ln>
-                  <a:noFill/>
-                </a:ln>
-                <a:solidFill>
-                  <a:srgbClr val="00B050"/>
-                </a:solidFill>
-                <a:effectLst/>
-                <a:latin typeface="Arial Unicode MS" panose="020B0604020202020204" pitchFamily="50" charset="-127"/>
-                <a:ea typeface="JetBrains Mono"/>
-              </a:rPr>
-              <a:t>BROADCASTER : 0,</a:t>
+              <a:t>  BROADCASTER : 0,</a:t>
             </a:r>
             <a:br>
               <a:rPr kumimoji="0" lang="ko-KR" altLang="ko-KR" sz="1200" b="1" u="none" strike="noStrike" cap="none" normalizeH="0" baseline="0" dirty="0" smtClean="0">
@@ -5927,21 +6320,7 @@
                 <a:latin typeface="Arial Unicode MS" panose="020B0604020202020204" pitchFamily="50" charset="-127"/>
                 <a:ea typeface="JetBrains Mono"/>
               </a:rPr>
-              <a:t>  </a:t>
-            </a:r>
-            <a:r>
-              <a:rPr kumimoji="0" lang="ko-KR" altLang="ko-KR" sz="1200" b="1" u="none" strike="noStrike" cap="none" normalizeH="0" baseline="0" dirty="0" smtClean="0">
-                <a:ln>
-                  <a:noFill/>
-                </a:ln>
-                <a:solidFill>
-                  <a:srgbClr val="00B050"/>
-                </a:solidFill>
-                <a:effectLst/>
-                <a:latin typeface="Arial Unicode MS" panose="020B0604020202020204" pitchFamily="50" charset="-127"/>
-                <a:ea typeface="JetBrains Mono"/>
-              </a:rPr>
-              <a:t>CRIMINAL : 1,</a:t>
+              <a:t>  CRIMINAL : 1,</a:t>
             </a:r>
             <a:br>
               <a:rPr kumimoji="0" lang="ko-KR" altLang="ko-KR" sz="1200" b="1" u="none" strike="noStrike" cap="none" normalizeH="0" baseline="0" dirty="0" smtClean="0">
@@ -5968,21 +6347,7 @@
                 <a:latin typeface="Arial Unicode MS" panose="020B0604020202020204" pitchFamily="50" charset="-127"/>
                 <a:ea typeface="JetBrains Mono"/>
               </a:rPr>
-              <a:t>  </a:t>
-            </a:r>
-            <a:r>
-              <a:rPr kumimoji="0" lang="ko-KR" altLang="ko-KR" sz="1200" b="1" u="none" strike="noStrike" cap="none" normalizeH="0" baseline="0" dirty="0" smtClean="0">
-                <a:ln>
-                  <a:noFill/>
-                </a:ln>
-                <a:solidFill>
-                  <a:srgbClr val="00B050"/>
-                </a:solidFill>
-                <a:effectLst/>
-                <a:latin typeface="Arial Unicode MS" panose="020B0604020202020204" pitchFamily="50" charset="-127"/>
-                <a:ea typeface="JetBrains Mono"/>
-              </a:rPr>
-              <a:t>POLICE : 2</a:t>
+              <a:t>  POLICE : 2</a:t>
             </a:r>
             <a:br>
               <a:rPr kumimoji="0" lang="ko-KR" altLang="ko-KR" sz="1200" b="1" u="none" strike="noStrike" cap="none" normalizeH="0" baseline="0" dirty="0" smtClean="0">
@@ -6035,6 +6400,99 @@
               <a:effectLst/>
               <a:latin typeface="Arial" panose="020B0604020202020204" pitchFamily="34" charset="0"/>
             </a:endParaRPr>
+          </a:p>
+        </p:txBody>
+      </p:sp>
+      <p:cxnSp>
+        <p:nvCxnSpPr>
+          <p:cNvPr id="20" name="직선 화살표 연결선 19"/>
+          <p:cNvCxnSpPr/>
+          <p:nvPr/>
+        </p:nvCxnSpPr>
+        <p:spPr>
+          <a:xfrm flipH="1">
+            <a:off x="4624754" y="2087807"/>
+            <a:ext cx="3385038" cy="305898"/>
+          </a:xfrm>
+          <a:prstGeom prst="straightConnector1">
+            <a:avLst/>
+          </a:prstGeom>
+          <a:ln w="57150">
+            <a:tailEnd type="triangle"/>
+          </a:ln>
+        </p:spPr>
+        <p:style>
+          <a:lnRef idx="1">
+            <a:schemeClr val="dk1"/>
+          </a:lnRef>
+          <a:fillRef idx="0">
+            <a:schemeClr val="dk1"/>
+          </a:fillRef>
+          <a:effectRef idx="0">
+            <a:schemeClr val="dk1"/>
+          </a:effectRef>
+          <a:fontRef idx="minor">
+            <a:schemeClr val="tx1"/>
+          </a:fontRef>
+        </p:style>
+      </p:cxnSp>
+      <p:sp>
+        <p:nvSpPr>
+          <p:cNvPr id="25" name="직사각형 24"/>
+          <p:cNvSpPr/>
+          <p:nvPr/>
+        </p:nvSpPr>
+        <p:spPr>
+          <a:xfrm>
+            <a:off x="8009792" y="1674568"/>
+            <a:ext cx="3323492" cy="826477"/>
+          </a:xfrm>
+          <a:prstGeom prst="rect">
+            <a:avLst/>
+          </a:prstGeom>
+        </p:spPr>
+        <p:style>
+          <a:lnRef idx="2">
+            <a:schemeClr val="accent1">
+              <a:shade val="50000"/>
+            </a:schemeClr>
+          </a:lnRef>
+          <a:fillRef idx="1">
+            <a:schemeClr val="accent1"/>
+          </a:fillRef>
+          <a:effectRef idx="0">
+            <a:schemeClr val="accent1"/>
+          </a:effectRef>
+          <a:fontRef idx="minor">
+            <a:schemeClr val="lt1"/>
+          </a:fontRef>
+        </p:style>
+        <p:txBody>
+          <a:bodyPr rtlCol="0" anchor="ctr"/>
+          <a:lstStyle/>
+          <a:p>
+            <a:pPr algn="ctr"/>
+            <a:r>
+              <a:rPr lang="ko-KR" altLang="en-US" sz="1500" dirty="0" smtClean="0"/>
+              <a:t>방 참여자</a:t>
+            </a:r>
+            <a:r>
+              <a:rPr lang="en-US" altLang="ko-KR" sz="1500" dirty="0"/>
+              <a:t>,</a:t>
+            </a:r>
+            <a:r>
+              <a:rPr lang="ko-KR" altLang="en-US" sz="1500" dirty="0" smtClean="0"/>
+              <a:t> </a:t>
+            </a:r>
+            <a:r>
+              <a:rPr lang="en-US" altLang="ko-KR" sz="1500" dirty="0" smtClean="0"/>
+              <a:t>Ready </a:t>
+            </a:r>
+            <a:r>
+              <a:rPr lang="ko-KR" altLang="en-US" sz="1500" dirty="0" smtClean="0"/>
+              <a:t>상태 알림</a:t>
+            </a:r>
+            <a:endParaRPr lang="en-US" altLang="ko-KR" sz="1500" dirty="0" smtClean="0"/>
           </a:p>
         </p:txBody>
       </p:sp>
@@ -6589,35 +7047,7 @@
                 <a:latin typeface="Arial Unicode MS" panose="020B0604020202020204" pitchFamily="50" charset="-127"/>
                 <a:ea typeface="JetBrains Mono"/>
               </a:rPr>
-              <a:t> </a:t>
-            </a:r>
-            <a:r>
-              <a:rPr kumimoji="0" lang="ko-KR" altLang="ko-KR" sz="1200" b="1" u="none" strike="noStrike" cap="none" normalizeH="0" baseline="0" dirty="0" smtClean="0">
-                <a:ln>
-                  <a:noFill/>
-                </a:ln>
-                <a:solidFill>
-                  <a:srgbClr val="00B050"/>
-                </a:solidFill>
-                <a:effectLst/>
-                <a:latin typeface="Arial Unicode MS" panose="020B0604020202020204" pitchFamily="50" charset="-127"/>
-                <a:ea typeface="JetBrains Mono"/>
-              </a:rPr>
-              <a:t>: </a:t>
-            </a:r>
-            <a:r>
-              <a:rPr kumimoji="0" lang="ko-KR" altLang="ko-KR" sz="1200" b="1" u="none" strike="noStrike" cap="none" normalizeH="0" baseline="0" dirty="0" smtClean="0">
-                <a:ln>
-                  <a:noFill/>
-                </a:ln>
-                <a:solidFill>
-                  <a:srgbClr val="00B050"/>
-                </a:solidFill>
-                <a:effectLst/>
-                <a:latin typeface="Arial Unicode MS" panose="020B0604020202020204" pitchFamily="50" charset="-127"/>
-                <a:ea typeface="JetBrains Mono"/>
-              </a:rPr>
-              <a:t>'</a:t>
+              <a:t> : '</a:t>
             </a:r>
             <a:r>
               <a:rPr kumimoji="0" lang="ko-KR" altLang="ko-KR" sz="1200" b="1" u="none" strike="noStrike" cap="none" normalizeH="0" baseline="0" dirty="0" err="1" smtClean="0">
@@ -6809,20 +7239,6 @@
               </a:rPr>
               <a:t>{</a:t>
             </a:r>
-            <a:r>
-              <a:rPr kumimoji="0" lang="ko-KR" altLang="ko-KR" sz="1200" b="1" u="none" strike="noStrike" cap="none" normalizeH="0" baseline="0" dirty="0" smtClean="0">
-                <a:ln>
-                  <a:noFill/>
-                </a:ln>
-                <a:solidFill>
-                  <a:srgbClr val="00B050"/>
-                </a:solidFill>
-                <a:effectLst/>
-                <a:latin typeface="Arial Unicode MS" panose="020B0604020202020204" pitchFamily="50" charset="-127"/>
-                <a:ea typeface="JetBrains Mono"/>
-              </a:rPr>
-              <a:t/>
-            </a:r>
             <a:br>
               <a:rPr kumimoji="0" lang="ko-KR" altLang="ko-KR" sz="1200" b="1" u="none" strike="noStrike" cap="none" normalizeH="0" baseline="0" dirty="0" smtClean="0">
                 <a:ln>
@@ -6848,7 +7264,21 @@
                 <a:latin typeface="Arial Unicode MS" panose="020B0604020202020204" pitchFamily="50" charset="-127"/>
                 <a:ea typeface="JetBrains Mono"/>
               </a:rPr>
-              <a:t> </a:t>
+              <a:t>  </a:t>
+            </a:r>
+            <a:r>
+              <a:rPr kumimoji="0" lang="ko-KR" altLang="ko-KR" sz="1200" b="1" u="none" strike="noStrike" cap="none" normalizeH="0" baseline="0" dirty="0" err="1" smtClean="0">
+                <a:ln>
+                  <a:noFill/>
+                </a:ln>
+                <a:solidFill>
+                  <a:srgbClr val="00B050"/>
+                </a:solidFill>
+                <a:effectLst/>
+                <a:latin typeface="Arial Unicode MS" panose="020B0604020202020204" pitchFamily="50" charset="-127"/>
+                <a:ea typeface="JetBrains Mono"/>
+              </a:rPr>
+              <a:t>gameStatus</a:t>
             </a:r>
             <a:r>
               <a:rPr kumimoji="0" lang="ko-KR" altLang="ko-KR" sz="1200" b="1" u="none" strike="noStrike" cap="none" normalizeH="0" baseline="0" dirty="0" smtClean="0">
@@ -6862,21 +7292,21 @@
                 <a:latin typeface="Arial Unicode MS" panose="020B0604020202020204" pitchFamily="50" charset="-127"/>
                 <a:ea typeface="JetBrains Mono"/>
               </a:rPr>
-              <a:t> </a:t>
-            </a:r>
-            <a:r>
-              <a:rPr kumimoji="0" lang="ko-KR" altLang="ko-KR" sz="1200" b="1" u="none" strike="noStrike" cap="none" normalizeH="0" baseline="0" dirty="0" err="1" smtClean="0">
-                <a:ln>
-                  <a:noFill/>
-                </a:ln>
-                <a:solidFill>
-                  <a:srgbClr val="00B050"/>
-                </a:solidFill>
-                <a:effectLst/>
-                <a:latin typeface="Arial Unicode MS" panose="020B0604020202020204" pitchFamily="50" charset="-127"/>
-                <a:ea typeface="JetBrains Mono"/>
-              </a:rPr>
-              <a:t>gameStatus</a:t>
+              <a:t> : </a:t>
+            </a:r>
+            <a:r>
+              <a:rPr kumimoji="0" lang="en-US" altLang="ko-KR" sz="1200" b="1" u="none" strike="noStrike" cap="none" normalizeH="0" baseline="0" dirty="0" smtClean="0">
+                <a:ln>
+                  <a:noFill/>
+                </a:ln>
+                <a:solidFill>
+                  <a:srgbClr val="00B050"/>
+                </a:solidFill>
+                <a:effectLst/>
+                <a:latin typeface="Arial Unicode MS" panose="020B0604020202020204" pitchFamily="50" charset="-127"/>
+                <a:ea typeface="JetBrains Mono"/>
+              </a:rPr>
+              <a:t>4</a:t>
             </a:r>
             <a:r>
               <a:rPr kumimoji="0" lang="ko-KR" altLang="ko-KR" sz="1200" b="1" u="none" strike="noStrike" cap="none" normalizeH="0" baseline="0" dirty="0" smtClean="0">
@@ -6890,7 +7320,7 @@
                 <a:latin typeface="Arial Unicode MS" panose="020B0604020202020204" pitchFamily="50" charset="-127"/>
                 <a:ea typeface="JetBrains Mono"/>
               </a:rPr>
-              <a:t> </a:t>
+              <a:t>,</a:t>
             </a:r>
             <a:r>
               <a:rPr kumimoji="0" lang="ko-KR" altLang="ko-KR" sz="1200" b="1" u="none" strike="noStrike" cap="none" normalizeH="0" baseline="0" dirty="0" smtClean="0">
@@ -6904,7 +7334,7 @@
                 <a:latin typeface="Arial Unicode MS" panose="020B0604020202020204" pitchFamily="50" charset="-127"/>
                 <a:ea typeface="JetBrains Mono"/>
               </a:rPr>
-              <a:t>: 1,</a:t>
+              <a:t/>
             </a:r>
             <a:br>
               <a:rPr kumimoji="0" lang="ko-KR" altLang="ko-KR" sz="1200" b="1" u="none" strike="noStrike" cap="none" normalizeH="0" baseline="0" dirty="0" smtClean="0">
@@ -7087,8 +7517,12 @@
               <a:buAutoNum type="arabicPeriod"/>
             </a:pPr>
             <a:r>
+              <a:rPr lang="en-US" altLang="ko-KR" sz="1500" dirty="0"/>
+              <a:t>3</a:t>
+            </a:r>
+            <a:r>
               <a:rPr lang="en-US" altLang="ko-KR" sz="1500" dirty="0" smtClean="0"/>
-              <a:t>60</a:t>
+              <a:t>0</a:t>
             </a:r>
             <a:r>
               <a:rPr lang="ko-KR" altLang="en-US" sz="1500" dirty="0" smtClean="0"/>
@@ -7160,28 +7594,13 @@
             </a:pPr>
             <a:r>
               <a:rPr lang="ko-KR" altLang="en-US" sz="1500" dirty="0" smtClean="0"/>
-              <a:t>직업 배열 불러오기</a:t>
-            </a:r>
-            <a:r>
-              <a:rPr lang="en-US" altLang="ko-KR" sz="1500" dirty="0" smtClean="0"/>
-              <a:t>(</a:t>
-            </a:r>
-            <a:r>
-              <a:rPr lang="ko-KR" altLang="en-US" sz="1500" dirty="0" smtClean="0"/>
-              <a:t>게임 진행중 바뀌지 않으므로 </a:t>
-            </a:r>
-            <a:r>
-              <a:rPr lang="ko-KR" altLang="en-US" sz="1500" dirty="0" err="1" smtClean="0"/>
-              <a:t>파라미터로</a:t>
-            </a:r>
-            <a:r>
-              <a:rPr lang="ko-KR" altLang="en-US" sz="1500" dirty="0" smtClean="0"/>
-              <a:t> 준다</a:t>
-            </a:r>
-            <a:r>
-              <a:rPr lang="en-US" altLang="ko-KR" sz="1500" dirty="0" smtClean="0"/>
-              <a:t>)</a:t>
-            </a:r>
+              <a:t>직업 배열 </a:t>
+            </a:r>
+            <a:r>
+              <a:rPr lang="ko-KR" altLang="en-US" sz="1500" dirty="0" smtClean="0"/>
+              <a:t>불러오기</a:t>
+            </a:r>
+            <a:endParaRPr lang="en-US" altLang="ko-KR" sz="1500" dirty="0" smtClean="0"/>
           </a:p>
           <a:p>
             <a:pPr marL="342900" indent="-342900">
@@ -7192,7 +7611,11 @@
             </a:pPr>
             <a:r>
               <a:rPr lang="ko-KR" altLang="en-US" sz="1500" dirty="0" smtClean="0"/>
-              <a:t>명교 대기자 목록 </a:t>
+              <a:t>명교 </a:t>
+            </a:r>
+            <a:r>
+              <a:rPr lang="ko-KR" altLang="en-US" sz="1500" dirty="0" smtClean="0"/>
+              <a:t>대기자 목록 </a:t>
             </a:r>
             <a:r>
               <a:rPr lang="en-US" altLang="ko-KR" sz="1500" dirty="0" smtClean="0"/>
@@ -7207,12 +7630,28 @@
               <a:buAutoNum type="arabicPeriod"/>
             </a:pPr>
             <a:r>
+              <a:rPr lang="ko-KR" altLang="en-US" sz="1500" dirty="0" smtClean="0"/>
+              <a:t>명교 대상자를 제외한 </a:t>
+            </a:r>
+            <a:r>
               <a:rPr lang="en-US" altLang="ko-KR" sz="1500" dirty="0" smtClean="0"/>
               <a:t>2</a:t>
             </a:r>
             <a:r>
               <a:rPr lang="ko-KR" altLang="en-US" sz="1500" dirty="0" smtClean="0"/>
-              <a:t>명만 미션 수행 알림</a:t>
+              <a:t>명만 </a:t>
+            </a:r>
+            <a:r>
+              <a:rPr lang="ko-KR" altLang="en-US" sz="1500" dirty="0" err="1" smtClean="0"/>
+              <a:t>히든미션</a:t>
+            </a:r>
+            <a:r>
+              <a:rPr lang="ko-KR" altLang="en-US" sz="1500" dirty="0" smtClean="0"/>
+              <a:t> </a:t>
+            </a:r>
+            <a:r>
+              <a:rPr lang="ko-KR" altLang="en-US" sz="1500" dirty="0" smtClean="0"/>
+              <a:t>수행 알림</a:t>
             </a:r>
             <a:endParaRPr lang="en-US" altLang="ko-KR" sz="1500" dirty="0" smtClean="0"/>
           </a:p>
@@ -7632,8 +8071,8 @@
         </p:nvCxnSpPr>
         <p:spPr>
           <a:xfrm flipV="1">
-            <a:off x="3455377" y="4138747"/>
-            <a:ext cx="3587261" cy="1259419"/>
+            <a:off x="5618285" y="4138748"/>
+            <a:ext cx="1424353" cy="899244"/>
           </a:xfrm>
           <a:prstGeom prst="straightConnector1">
             <a:avLst/>
@@ -7775,7 +8214,19 @@
             </a:r>
             <a:r>
               <a:rPr lang="ko-KR" altLang="en-US" dirty="0" smtClean="0"/>
-              <a:t> 경찰이 미션을 진행중입니다</a:t>
+              <a:t> </a:t>
+            </a:r>
+            <a:r>
+              <a:rPr lang="ko-KR" altLang="en-US" dirty="0" err="1" smtClean="0"/>
+              <a:t>범죄자에게경찰이</a:t>
+            </a:r>
+            <a:r>
+              <a:rPr lang="ko-KR" altLang="en-US" dirty="0" smtClean="0"/>
+              <a:t> </a:t>
+            </a:r>
+            <a:r>
+              <a:rPr lang="ko-KR" altLang="en-US" dirty="0" smtClean="0"/>
+              <a:t>미션을 진행중입니다</a:t>
             </a:r>
             <a:r>
               <a:rPr lang="en-US" altLang="ko-KR" dirty="0" smtClean="0"/>
@@ -8295,8 +8746,8 @@
         </p:nvSpPr>
         <p:spPr bwMode="auto">
           <a:xfrm>
-            <a:off x="4886325" y="1353959"/>
-            <a:ext cx="1929910" cy="2308324"/>
+            <a:off x="4886325" y="1261626"/>
+            <a:ext cx="1929910" cy="2492990"/>
           </a:xfrm>
           <a:prstGeom prst="rect">
             <a:avLst/>
@@ -8373,21 +8824,7 @@
                 <a:latin typeface="Arial Unicode MS" panose="020B0604020202020204" pitchFamily="50" charset="-127"/>
                 <a:ea typeface="JetBrains Mono"/>
               </a:rPr>
-              <a:t> : </a:t>
-            </a:r>
-            <a:r>
-              <a:rPr kumimoji="0" lang="ko-KR" altLang="ko-KR" sz="1200" b="1" u="none" strike="noStrike" cap="none" normalizeH="0" baseline="0" dirty="0" smtClean="0">
-                <a:ln>
-                  <a:noFill/>
-                </a:ln>
-                <a:solidFill>
-                  <a:srgbClr val="00B050"/>
-                </a:solidFill>
-                <a:effectLst/>
-                <a:latin typeface="Arial Unicode MS" panose="020B0604020202020204" pitchFamily="50" charset="-127"/>
-                <a:ea typeface="JetBrains Mono"/>
-              </a:rPr>
-              <a:t>'</a:t>
+              <a:t> : '</a:t>
             </a:r>
             <a:r>
               <a:rPr kumimoji="0" lang="ko-KR" altLang="ko-KR" sz="1200" b="1" u="none" strike="noStrike" cap="none" normalizeH="0" baseline="0" dirty="0" err="1" smtClean="0">
@@ -8571,20 +9008,6 @@
               </a:rPr>
               <a:t>{</a:t>
             </a:r>
-            <a:r>
-              <a:rPr kumimoji="0" lang="ko-KR" altLang="ko-KR" sz="1200" b="1" u="none" strike="noStrike" cap="none" normalizeH="0" baseline="0" dirty="0" smtClean="0">
-                <a:ln>
-                  <a:noFill/>
-                </a:ln>
-                <a:solidFill>
-                  <a:srgbClr val="00B050"/>
-                </a:solidFill>
-                <a:effectLst/>
-                <a:latin typeface="Arial Unicode MS" panose="020B0604020202020204" pitchFamily="50" charset="-127"/>
-                <a:ea typeface="JetBrains Mono"/>
-              </a:rPr>
-              <a:t/>
-            </a:r>
             <a:br>
               <a:rPr kumimoji="0" lang="ko-KR" altLang="ko-KR" sz="1200" b="1" u="none" strike="noStrike" cap="none" normalizeH="0" baseline="0" dirty="0" smtClean="0">
                 <a:ln>
@@ -8648,7 +9071,140 @@
                 <a:latin typeface="Arial Unicode MS" panose="020B0604020202020204" pitchFamily="50" charset="-127"/>
                 <a:ea typeface="JetBrains Mono"/>
               </a:rPr>
-              <a:t> : 2,</a:t>
+              <a:t> : </a:t>
+            </a:r>
+            <a:r>
+              <a:rPr kumimoji="0" lang="en-US" altLang="ko-KR" sz="1200" b="1" u="none" strike="noStrike" cap="none" normalizeH="0" baseline="0" dirty="0" smtClean="0">
+                <a:ln>
+                  <a:noFill/>
+                </a:ln>
+                <a:solidFill>
+                  <a:srgbClr val="00B050"/>
+                </a:solidFill>
+                <a:effectLst/>
+                <a:latin typeface="Arial Unicode MS" panose="020B0604020202020204" pitchFamily="50" charset="-127"/>
+                <a:ea typeface="JetBrains Mono"/>
+              </a:rPr>
+              <a:t>5</a:t>
+            </a:r>
+            <a:r>
+              <a:rPr kumimoji="0" lang="ko-KR" altLang="ko-KR" sz="1200" b="1" u="none" strike="noStrike" cap="none" normalizeH="0" baseline="0" dirty="0" smtClean="0">
+                <a:ln>
+                  <a:noFill/>
+                </a:ln>
+                <a:solidFill>
+                  <a:srgbClr val="00B050"/>
+                </a:solidFill>
+                <a:effectLst/>
+                <a:latin typeface="Arial Unicode MS" panose="020B0604020202020204" pitchFamily="50" charset="-127"/>
+                <a:ea typeface="JetBrains Mono"/>
+              </a:rPr>
+              <a:t>,</a:t>
+            </a:r>
+            <a:endParaRPr kumimoji="0" lang="en-US" altLang="ko-KR" sz="1200" b="1" u="none" strike="noStrike" cap="none" normalizeH="0" baseline="0" dirty="0" smtClean="0">
+              <a:ln>
+                <a:noFill/>
+              </a:ln>
+              <a:solidFill>
+                <a:srgbClr val="00B050"/>
+              </a:solidFill>
+              <a:effectLst/>
+              <a:latin typeface="Arial Unicode MS" panose="020B0604020202020204" pitchFamily="50" charset="-127"/>
+              <a:ea typeface="JetBrains Mono"/>
+            </a:endParaRPr>
+          </a:p>
+          <a:p>
+            <a:pPr lvl="0" eaLnBrk="0" fontAlgn="base" latinLnBrk="0" hangingPunct="0">
+              <a:spcBef>
+                <a:spcPct val="0"/>
+              </a:spcBef>
+              <a:spcAft>
+                <a:spcPct val="0"/>
+              </a:spcAft>
+            </a:pPr>
+            <a:r>
+              <a:rPr kumimoji="0" lang="en-US" altLang="ko-KR" sz="1200" b="1" u="none" strike="noStrike" cap="none" normalizeH="0" baseline="0" dirty="0" smtClean="0">
+                <a:ln>
+                  <a:noFill/>
+                </a:ln>
+                <a:solidFill>
+                  <a:srgbClr val="00B050"/>
+                </a:solidFill>
+                <a:effectLst/>
+                <a:latin typeface="Arial Unicode MS" panose="020B0604020202020204" pitchFamily="50" charset="-127"/>
+                <a:ea typeface="JetBrains Mono"/>
+              </a:rPr>
+              <a:t>  </a:t>
+            </a:r>
+            <a:r>
+              <a:rPr kumimoji="0" lang="en-US" altLang="ko-KR" sz="1200" b="1" u="none" strike="noStrike" cap="none" normalizeH="0" baseline="0" dirty="0" err="1" smtClean="0">
+                <a:ln>
+                  <a:noFill/>
+                </a:ln>
+                <a:solidFill>
+                  <a:srgbClr val="00B050"/>
+                </a:solidFill>
+                <a:effectLst/>
+                <a:latin typeface="Arial Unicode MS" panose="020B0604020202020204" pitchFamily="50" charset="-127"/>
+                <a:ea typeface="JetBrains Mono"/>
+              </a:rPr>
+              <a:t>skillType</a:t>
+            </a:r>
+            <a:r>
+              <a:rPr kumimoji="0" lang="en-US" altLang="ko-KR" sz="1200" b="1" u="none" strike="noStrike" cap="none" normalizeH="0" dirty="0" smtClean="0">
+                <a:ln>
+                  <a:noFill/>
+                </a:ln>
+                <a:solidFill>
+                  <a:srgbClr val="00B050"/>
+                </a:solidFill>
+                <a:effectLst/>
+                <a:latin typeface="Arial Unicode MS" panose="020B0604020202020204" pitchFamily="50" charset="-127"/>
+                <a:ea typeface="JetBrains Mono"/>
+              </a:rPr>
+              <a:t> : </a:t>
+            </a:r>
+            <a:r>
+              <a:rPr kumimoji="0" lang="en-US" altLang="ko-KR" sz="1200" b="1" u="none" strike="noStrike" cap="none" normalizeH="0" dirty="0" err="1" smtClean="0">
+                <a:ln>
+                  <a:noFill/>
+                </a:ln>
+                <a:solidFill>
+                  <a:srgbClr val="00B050"/>
+                </a:solidFill>
+                <a:effectLst/>
+                <a:latin typeface="Arial Unicode MS" panose="020B0604020202020204" pitchFamily="50" charset="-127"/>
+                <a:ea typeface="JetBrains Mono"/>
+              </a:rPr>
+              <a:t>kill,arrest</a:t>
+            </a:r>
+            <a:r>
+              <a:rPr kumimoji="0" lang="en-US" altLang="ko-KR" sz="1200" b="1" u="none" strike="noStrike" cap="none" normalizeH="0" dirty="0" smtClean="0">
+                <a:ln>
+                  <a:noFill/>
+                </a:ln>
+                <a:solidFill>
+                  <a:srgbClr val="00B050"/>
+                </a:solidFill>
+                <a:effectLst/>
+                <a:latin typeface="Arial Unicode MS" panose="020B0604020202020204" pitchFamily="50" charset="-127"/>
+                <a:ea typeface="JetBrains Mono"/>
+              </a:rPr>
+              <a:t>…</a:t>
+            </a:r>
+            <a:r>
+              <a:rPr kumimoji="0" lang="ko-KR" altLang="ko-KR" sz="1200" b="1" u="none" strike="noStrike" cap="none" normalizeH="0" baseline="0" dirty="0" smtClean="0">
+                <a:ln>
+                  <a:noFill/>
+                </a:ln>
+                <a:solidFill>
+                  <a:srgbClr val="00B050"/>
+                </a:solidFill>
+                <a:effectLst/>
+                <a:latin typeface="Arial Unicode MS" panose="020B0604020202020204" pitchFamily="50" charset="-127"/>
+                <a:ea typeface="JetBrains Mono"/>
+              </a:rPr>
+              <a:t/>
             </a:r>
             <a:br>
               <a:rPr kumimoji="0" lang="ko-KR" altLang="ko-KR" sz="1200" b="1" u="none" strike="noStrike" cap="none" normalizeH="0" baseline="0" dirty="0" smtClean="0">
@@ -8931,35 +9487,535 @@
       </p:grpSpPr>
       <p:sp>
         <p:nvSpPr>
-          <p:cNvPr id="2" name="제목 1"/>
-          <p:cNvSpPr>
-            <a:spLocks noGrp="1"/>
-          </p:cNvSpPr>
-          <p:nvPr>
-            <p:ph type="ctrTitle"/>
-          </p:nvPr>
-        </p:nvSpPr>
-        <p:spPr/>
-        <p:txBody>
-          <a:bodyPr/>
-          <a:lstStyle/>
-          <a:p>
-            <a:r>
-              <a:rPr lang="en-US" altLang="ko-KR" dirty="0" smtClean="0"/>
-              <a:t>3. </a:t>
-            </a:r>
-            <a:r>
-              <a:rPr lang="ko-KR" altLang="en-US" dirty="0" err="1" smtClean="0"/>
-              <a:t>명함교환</a:t>
-            </a:r>
-            <a:endParaRPr lang="ko-KR" altLang="en-US" dirty="0"/>
+          <p:cNvPr id="6" name="직사각형 5"/>
+          <p:cNvSpPr/>
+          <p:nvPr/>
+        </p:nvSpPr>
+        <p:spPr>
+          <a:xfrm>
+            <a:off x="0" y="0"/>
+            <a:ext cx="3323492" cy="571500"/>
+          </a:xfrm>
+          <a:prstGeom prst="rect">
+            <a:avLst/>
+          </a:prstGeom>
+        </p:spPr>
+        <p:style>
+          <a:lnRef idx="2">
+            <a:schemeClr val="accent4">
+              <a:shade val="50000"/>
+            </a:schemeClr>
+          </a:lnRef>
+          <a:fillRef idx="1">
+            <a:schemeClr val="accent4"/>
+          </a:fillRef>
+          <a:effectRef idx="0">
+            <a:schemeClr val="accent4"/>
+          </a:effectRef>
+          <a:fontRef idx="minor">
+            <a:schemeClr val="lt1"/>
+          </a:fontRef>
+        </p:style>
+        <p:txBody>
+          <a:bodyPr rtlCol="0" anchor="ctr"/>
+          <a:lstStyle/>
+          <a:p>
+            <a:pPr algn="ctr"/>
+            <a:r>
+              <a:rPr lang="en-US" altLang="ko-KR" sz="2400" b="1" dirty="0" err="1" smtClean="0">
+                <a:solidFill>
+                  <a:schemeClr val="tx1"/>
+                </a:solidFill>
+              </a:rPr>
+              <a:t>SkillType</a:t>
+            </a:r>
+            <a:r>
+              <a:rPr lang="en-US" altLang="ko-KR" sz="2400" b="1" dirty="0" smtClean="0">
+                <a:solidFill>
+                  <a:schemeClr val="tx1"/>
+                </a:solidFill>
+              </a:rPr>
+              <a:t> : kill</a:t>
+            </a:r>
+            <a:endParaRPr lang="ko-KR" altLang="en-US" b="1" dirty="0">
+              <a:solidFill>
+                <a:schemeClr val="tx1"/>
+              </a:solidFill>
+            </a:endParaRPr>
+          </a:p>
+        </p:txBody>
+      </p:sp>
+      <p:sp>
+        <p:nvSpPr>
+          <p:cNvPr id="7" name="직사각형 6"/>
+          <p:cNvSpPr/>
+          <p:nvPr/>
+        </p:nvSpPr>
+        <p:spPr>
+          <a:xfrm>
+            <a:off x="0" y="2242039"/>
+            <a:ext cx="3323492" cy="3525715"/>
+          </a:xfrm>
+          <a:prstGeom prst="rect">
+            <a:avLst/>
+          </a:prstGeom>
+        </p:spPr>
+        <p:style>
+          <a:lnRef idx="2">
+            <a:schemeClr val="accent1">
+              <a:shade val="50000"/>
+            </a:schemeClr>
+          </a:lnRef>
+          <a:fillRef idx="1">
+            <a:schemeClr val="accent1"/>
+          </a:fillRef>
+          <a:effectRef idx="0">
+            <a:schemeClr val="accent1"/>
+          </a:effectRef>
+          <a:fontRef idx="minor">
+            <a:schemeClr val="lt1"/>
+          </a:fontRef>
+        </p:style>
+        <p:txBody>
+          <a:bodyPr rtlCol="0" anchor="ctr"/>
+          <a:lstStyle/>
+          <a:p>
+            <a:pPr marL="342900" indent="-342900">
+              <a:buAutoNum type="arabicPeriod"/>
+            </a:pPr>
+            <a:r>
+              <a:rPr lang="ko-KR" altLang="en-US" sz="1500" dirty="0" smtClean="0"/>
+              <a:t>범죄자가 사용함</a:t>
+            </a:r>
+            <a:r>
+              <a:rPr lang="en-US" altLang="ko-KR" sz="1500" dirty="0" smtClean="0"/>
+              <a:t>.</a:t>
+            </a:r>
+          </a:p>
+          <a:p>
+            <a:pPr marL="342900" indent="-342900">
+              <a:buAutoNum type="arabicPeriod"/>
+            </a:pPr>
+            <a:r>
+              <a:rPr lang="en-US" altLang="ko-KR" sz="1500" dirty="0" err="1" smtClean="0"/>
+              <a:t>JobName</a:t>
+            </a:r>
+            <a:r>
+              <a:rPr lang="ko-KR" altLang="en-US" sz="1500" dirty="0" smtClean="0"/>
+              <a:t>과 </a:t>
+            </a:r>
+            <a:r>
+              <a:rPr lang="en-US" altLang="ko-KR" sz="1500" dirty="0" err="1" smtClean="0"/>
+              <a:t>ParticipantId</a:t>
+            </a:r>
+            <a:r>
+              <a:rPr lang="ko-KR" altLang="en-US" sz="1500" dirty="0" smtClean="0"/>
+              <a:t>를 받음</a:t>
+            </a:r>
+            <a:endParaRPr lang="en-US" altLang="ko-KR" sz="1500" dirty="0" smtClean="0"/>
+          </a:p>
+          <a:p>
+            <a:pPr marL="342900" indent="-342900">
+              <a:buAutoNum type="arabicPeriod"/>
+            </a:pPr>
+            <a:r>
+              <a:rPr lang="ko-KR" altLang="en-US" sz="1500" dirty="0" smtClean="0"/>
+              <a:t>보디가드 방어 </a:t>
+            </a:r>
+            <a:r>
+              <a:rPr lang="ko-KR" altLang="en-US" sz="1500" dirty="0" err="1" smtClean="0"/>
+              <a:t>분기처리</a:t>
+            </a:r>
+            <a:endParaRPr lang="en-US" altLang="ko-KR" sz="1500" dirty="0" smtClean="0"/>
+          </a:p>
+          <a:p>
+            <a:pPr marL="342900" indent="-342900">
+              <a:buAutoNum type="arabicPeriod"/>
+            </a:pPr>
+            <a:r>
+              <a:rPr lang="ko-KR" altLang="en-US" sz="1500" dirty="0" smtClean="0"/>
+              <a:t>방어되면 범죄자에게만 알림</a:t>
+            </a:r>
+            <a:endParaRPr lang="en-US" altLang="ko-KR" sz="1500" dirty="0" smtClean="0"/>
+          </a:p>
+          <a:p>
+            <a:pPr marL="342900" indent="-342900">
+              <a:buAutoNum type="arabicPeriod"/>
+            </a:pPr>
+            <a:r>
+              <a:rPr lang="ko-KR" altLang="en-US" sz="1500" dirty="0" smtClean="0"/>
+              <a:t>죽이면 모든 참가자에게 알림</a:t>
+            </a:r>
+            <a:endParaRPr lang="en-US" altLang="ko-KR" sz="1500" dirty="0" smtClean="0"/>
+          </a:p>
+          <a:p>
+            <a:pPr marL="342900" indent="-342900">
+              <a:buAutoNum type="arabicPeriod"/>
+            </a:pPr>
+            <a:r>
+              <a:rPr lang="ko-KR" altLang="en-US" sz="1500" dirty="0" smtClean="0"/>
+              <a:t>경찰이 죽으면 게임 종료 체크</a:t>
+            </a:r>
+            <a:endParaRPr lang="en-US" altLang="ko-KR" sz="1500" dirty="0" smtClean="0"/>
+          </a:p>
+          <a:p>
+            <a:pPr marL="342900" indent="-342900">
+              <a:buAutoNum type="arabicPeriod"/>
+            </a:pPr>
+            <a:r>
+              <a:rPr lang="ko-KR" altLang="en-US" sz="1500" dirty="0" smtClean="0"/>
+              <a:t>살아있는 </a:t>
+            </a:r>
+            <a:r>
+              <a:rPr lang="ko-KR" altLang="en-US" sz="1500" dirty="0" err="1" smtClean="0"/>
+              <a:t>경찰수</a:t>
+            </a:r>
+            <a:r>
+              <a:rPr lang="ko-KR" altLang="en-US" sz="1500" dirty="0" smtClean="0"/>
+              <a:t> </a:t>
+            </a:r>
+            <a:r>
+              <a:rPr lang="en-US" altLang="ko-KR" sz="1500" dirty="0" smtClean="0"/>
+              <a:t>0</a:t>
+            </a:r>
+            <a:r>
+              <a:rPr lang="ko-KR" altLang="en-US" sz="1500" dirty="0" smtClean="0"/>
+              <a:t>이면 종료</a:t>
+            </a:r>
+            <a:endParaRPr lang="en-US" altLang="ko-KR" sz="1500" dirty="0" smtClean="0"/>
+          </a:p>
+          <a:p>
+            <a:endParaRPr lang="en-US" altLang="ko-KR" sz="1500" dirty="0" smtClean="0"/>
+          </a:p>
+          <a:p>
+            <a:pPr marL="342900" indent="-342900">
+              <a:buAutoNum type="arabicPeriod"/>
+            </a:pPr>
+            <a:endParaRPr lang="ko-KR" altLang="en-US" sz="1500" dirty="0"/>
+          </a:p>
+        </p:txBody>
+      </p:sp>
+      <p:sp>
+        <p:nvSpPr>
+          <p:cNvPr id="9" name="직사각형 8"/>
+          <p:cNvSpPr/>
+          <p:nvPr/>
+        </p:nvSpPr>
+        <p:spPr>
+          <a:xfrm>
+            <a:off x="4469423" y="2242038"/>
+            <a:ext cx="3323492" cy="3525715"/>
+          </a:xfrm>
+          <a:prstGeom prst="rect">
+            <a:avLst/>
+          </a:prstGeom>
+        </p:spPr>
+        <p:style>
+          <a:lnRef idx="2">
+            <a:schemeClr val="accent1">
+              <a:shade val="50000"/>
+            </a:schemeClr>
+          </a:lnRef>
+          <a:fillRef idx="1">
+            <a:schemeClr val="accent1"/>
+          </a:fillRef>
+          <a:effectRef idx="0">
+            <a:schemeClr val="accent1"/>
+          </a:effectRef>
+          <a:fontRef idx="minor">
+            <a:schemeClr val="lt1"/>
+          </a:fontRef>
+        </p:style>
+        <p:txBody>
+          <a:bodyPr rtlCol="0" anchor="ctr"/>
+          <a:lstStyle/>
+          <a:p>
+            <a:pPr marL="342900" indent="-342900">
+              <a:buAutoNum type="arabicPeriod"/>
+            </a:pPr>
+            <a:r>
+              <a:rPr lang="ko-KR" altLang="en-US" sz="1500" dirty="0" smtClean="0"/>
+              <a:t>경찰이 사용함</a:t>
+            </a:r>
+            <a:endParaRPr lang="en-US" altLang="ko-KR" sz="1500" dirty="0" smtClean="0"/>
+          </a:p>
+          <a:p>
+            <a:pPr marL="342900" indent="-342900">
+              <a:buAutoNum type="arabicPeriod"/>
+            </a:pPr>
+            <a:r>
+              <a:rPr lang="ko-KR" altLang="en-US" sz="1500" dirty="0" smtClean="0"/>
+              <a:t>대상이 </a:t>
+            </a:r>
+            <a:r>
+              <a:rPr lang="ko-KR" altLang="en-US" sz="1500" dirty="0" err="1" smtClean="0"/>
+              <a:t>키라이면</a:t>
+            </a:r>
+            <a:r>
+              <a:rPr lang="ko-KR" altLang="en-US" sz="1500" dirty="0" smtClean="0"/>
+              <a:t> 게임 종료</a:t>
+            </a:r>
+            <a:endParaRPr lang="en-US" altLang="ko-KR" sz="1500" dirty="0" smtClean="0"/>
+          </a:p>
+          <a:p>
+            <a:pPr marL="342900" indent="-342900">
+              <a:buAutoNum type="arabicPeriod"/>
+            </a:pPr>
+            <a:r>
+              <a:rPr lang="ko-KR" altLang="en-US" sz="1500" dirty="0" smtClean="0"/>
+              <a:t>대상이 범죄자이면 범죄자 사망</a:t>
+            </a:r>
+            <a:endParaRPr lang="en-US" altLang="ko-KR" sz="1500" dirty="0" smtClean="0"/>
+          </a:p>
+          <a:p>
+            <a:pPr marL="342900" indent="-342900">
+              <a:buAutoNum type="arabicPeriod"/>
+            </a:pPr>
+            <a:r>
+              <a:rPr lang="ko-KR" altLang="en-US" sz="1500" dirty="0" smtClean="0"/>
+              <a:t>그 외면 자신이 사망</a:t>
+            </a:r>
+            <a:endParaRPr lang="en-US" altLang="ko-KR" sz="1500" dirty="0" smtClean="0"/>
+          </a:p>
+          <a:p>
+            <a:pPr marL="342900" indent="-342900">
+              <a:buAutoNum type="arabicPeriod"/>
+            </a:pPr>
+            <a:endParaRPr lang="ko-KR" altLang="en-US" sz="1500" dirty="0"/>
+          </a:p>
+        </p:txBody>
+      </p:sp>
+      <p:sp>
+        <p:nvSpPr>
+          <p:cNvPr id="10" name="직사각형 9"/>
+          <p:cNvSpPr/>
+          <p:nvPr/>
+        </p:nvSpPr>
+        <p:spPr>
+          <a:xfrm>
+            <a:off x="4469423" y="0"/>
+            <a:ext cx="3323492" cy="571500"/>
+          </a:xfrm>
+          <a:prstGeom prst="rect">
+            <a:avLst/>
+          </a:prstGeom>
+        </p:spPr>
+        <p:style>
+          <a:lnRef idx="2">
+            <a:schemeClr val="accent4">
+              <a:shade val="50000"/>
+            </a:schemeClr>
+          </a:lnRef>
+          <a:fillRef idx="1">
+            <a:schemeClr val="accent4"/>
+          </a:fillRef>
+          <a:effectRef idx="0">
+            <a:schemeClr val="accent4"/>
+          </a:effectRef>
+          <a:fontRef idx="minor">
+            <a:schemeClr val="lt1"/>
+          </a:fontRef>
+        </p:style>
+        <p:txBody>
+          <a:bodyPr rtlCol="0" anchor="ctr"/>
+          <a:lstStyle/>
+          <a:p>
+            <a:pPr algn="ctr"/>
+            <a:r>
+              <a:rPr lang="en-US" altLang="ko-KR" sz="2400" b="1" dirty="0" err="1" smtClean="0">
+                <a:solidFill>
+                  <a:schemeClr val="tx1"/>
+                </a:solidFill>
+              </a:rPr>
+              <a:t>SkillType</a:t>
+            </a:r>
+            <a:r>
+              <a:rPr lang="en-US" altLang="ko-KR" sz="2400" b="1" dirty="0" smtClean="0">
+                <a:solidFill>
+                  <a:schemeClr val="tx1"/>
+                </a:solidFill>
+              </a:rPr>
+              <a:t> : arrest</a:t>
+            </a:r>
+            <a:endParaRPr lang="ko-KR" altLang="en-US" b="1" dirty="0">
+              <a:solidFill>
+                <a:schemeClr val="tx1"/>
+              </a:solidFill>
+            </a:endParaRPr>
+          </a:p>
+        </p:txBody>
+      </p:sp>
+      <p:sp>
+        <p:nvSpPr>
+          <p:cNvPr id="11" name="직사각형 10"/>
+          <p:cNvSpPr/>
+          <p:nvPr/>
+        </p:nvSpPr>
+        <p:spPr>
+          <a:xfrm>
+            <a:off x="8868508" y="2242037"/>
+            <a:ext cx="3323492" cy="3525715"/>
+          </a:xfrm>
+          <a:prstGeom prst="rect">
+            <a:avLst/>
+          </a:prstGeom>
+        </p:spPr>
+        <p:style>
+          <a:lnRef idx="2">
+            <a:schemeClr val="accent1">
+              <a:shade val="50000"/>
+            </a:schemeClr>
+          </a:lnRef>
+          <a:fillRef idx="1">
+            <a:schemeClr val="accent1"/>
+          </a:fillRef>
+          <a:effectRef idx="0">
+            <a:schemeClr val="accent1"/>
+          </a:effectRef>
+          <a:fontRef idx="minor">
+            <a:schemeClr val="lt1"/>
+          </a:fontRef>
+        </p:style>
+        <p:txBody>
+          <a:bodyPr rtlCol="0" anchor="ctr"/>
+          <a:lstStyle/>
+          <a:p>
+            <a:pPr marL="342900" indent="-342900">
+              <a:buAutoNum type="arabicPeriod"/>
+            </a:pPr>
+            <a:r>
+              <a:rPr lang="ko-KR" altLang="en-US" sz="1500" dirty="0" smtClean="0"/>
+              <a:t>보디가드가 사용함</a:t>
+            </a:r>
+            <a:endParaRPr lang="en-US" altLang="ko-KR" sz="1500" dirty="0" smtClean="0"/>
+          </a:p>
+          <a:p>
+            <a:pPr marL="342900" indent="-342900">
+              <a:buAutoNum type="arabicPeriod"/>
+            </a:pPr>
+            <a:r>
+              <a:rPr lang="ko-KR" altLang="en-US" sz="1500" dirty="0" err="1" smtClean="0"/>
+              <a:t>키라의</a:t>
+            </a:r>
+            <a:r>
+              <a:rPr lang="ko-KR" altLang="en-US" sz="1500" dirty="0" smtClean="0"/>
+              <a:t> 노트</a:t>
+            </a:r>
+            <a:r>
+              <a:rPr lang="en-US" altLang="ko-KR" sz="1500" dirty="0" smtClean="0"/>
+              <a:t>, </a:t>
+            </a:r>
+            <a:r>
+              <a:rPr lang="ko-KR" altLang="en-US" sz="1500" dirty="0" smtClean="0"/>
+              <a:t>범죄자의 노트 </a:t>
+            </a:r>
+            <a:r>
+              <a:rPr lang="en-US" altLang="ko-KR" sz="1500" dirty="0" smtClean="0"/>
+              <a:t>1</a:t>
+            </a:r>
+            <a:r>
+              <a:rPr lang="ko-KR" altLang="en-US" sz="1500" dirty="0" smtClean="0"/>
+              <a:t>번 막아줌</a:t>
+            </a:r>
+            <a:r>
+              <a:rPr lang="en-US" altLang="ko-KR" sz="1500" dirty="0" smtClean="0"/>
+              <a:t>.</a:t>
+            </a:r>
+          </a:p>
+          <a:p>
+            <a:pPr marL="342900" indent="-342900">
+              <a:buAutoNum type="arabicPeriod"/>
+            </a:pPr>
+            <a:r>
+              <a:rPr lang="ko-KR" altLang="en-US" sz="1500" dirty="0" err="1" smtClean="0"/>
+              <a:t>보호시에</a:t>
+            </a:r>
+            <a:r>
+              <a:rPr lang="ko-KR" altLang="en-US" sz="1500" dirty="0" smtClean="0"/>
+              <a:t> </a:t>
+            </a:r>
+            <a:r>
+              <a:rPr lang="ko-KR" altLang="en-US" sz="1500" dirty="0" err="1" smtClean="0"/>
+              <a:t>보호중</a:t>
+            </a:r>
+            <a:r>
+              <a:rPr lang="ko-KR" altLang="en-US" sz="1500" dirty="0" smtClean="0"/>
+              <a:t> 메시지 보디가드에게만 전송</a:t>
+            </a:r>
+            <a:endParaRPr lang="en-US" altLang="ko-KR" sz="1500" dirty="0" smtClean="0"/>
+          </a:p>
+          <a:p>
+            <a:pPr marL="342900" indent="-342900">
+              <a:buAutoNum type="arabicPeriod"/>
+            </a:pPr>
+            <a:endParaRPr lang="ko-KR" altLang="en-US" sz="1500" dirty="0"/>
+          </a:p>
+        </p:txBody>
+      </p:sp>
+      <p:sp>
+        <p:nvSpPr>
+          <p:cNvPr id="12" name="직사각형 11"/>
+          <p:cNvSpPr/>
+          <p:nvPr/>
+        </p:nvSpPr>
+        <p:spPr>
+          <a:xfrm>
+            <a:off x="8868508" y="0"/>
+            <a:ext cx="3323492" cy="571500"/>
+          </a:xfrm>
+          <a:prstGeom prst="rect">
+            <a:avLst/>
+          </a:prstGeom>
+        </p:spPr>
+        <p:style>
+          <a:lnRef idx="2">
+            <a:schemeClr val="accent4">
+              <a:shade val="50000"/>
+            </a:schemeClr>
+          </a:lnRef>
+          <a:fillRef idx="1">
+            <a:schemeClr val="accent4"/>
+          </a:fillRef>
+          <a:effectRef idx="0">
+            <a:schemeClr val="accent4"/>
+          </a:effectRef>
+          <a:fontRef idx="minor">
+            <a:schemeClr val="lt1"/>
+          </a:fontRef>
+        </p:style>
+        <p:txBody>
+          <a:bodyPr rtlCol="0" anchor="ctr"/>
+          <a:lstStyle/>
+          <a:p>
+            <a:pPr algn="ctr"/>
+            <a:r>
+              <a:rPr lang="en-US" altLang="ko-KR" sz="2400" b="1" dirty="0" err="1" smtClean="0">
+                <a:solidFill>
+                  <a:schemeClr val="tx1"/>
+                </a:solidFill>
+              </a:rPr>
+              <a:t>SkillType</a:t>
+            </a:r>
+            <a:r>
+              <a:rPr lang="en-US" altLang="ko-KR" sz="2400" b="1" dirty="0" smtClean="0">
+                <a:solidFill>
+                  <a:schemeClr val="tx1"/>
+                </a:solidFill>
+              </a:rPr>
+              <a:t> : protect</a:t>
+            </a:r>
+            <a:endParaRPr lang="ko-KR" altLang="en-US" b="1" dirty="0">
+              <a:solidFill>
+                <a:schemeClr val="tx1"/>
+              </a:solidFill>
+            </a:endParaRPr>
           </a:p>
         </p:txBody>
       </p:sp>
     </p:spTree>
     <p:extLst>
       <p:ext uri="{BB962C8B-B14F-4D97-AF65-F5344CB8AC3E}">
-        <p14:creationId xmlns:p14="http://schemas.microsoft.com/office/powerpoint/2010/main" val="1896399832"/>
+        <p14:creationId xmlns:p14="http://schemas.microsoft.com/office/powerpoint/2010/main" val="3625248741"/>
       </p:ext>
     </p:extLst>
   </p:cSld>
@@ -8994,7 +10050,7 @@
         </p:nvSpPr>
         <p:spPr>
           <a:xfrm>
-            <a:off x="1591407" y="562708"/>
+            <a:off x="0" y="0"/>
             <a:ext cx="3323492" cy="571500"/>
           </a:xfrm>
           <a:prstGeom prst="rect">
@@ -9023,12 +10079,12 @@
           <a:p>
             <a:pPr algn="ctr"/>
             <a:r>
-              <a:rPr lang="ko-KR" altLang="en-US" sz="2400" b="1" dirty="0" smtClean="0">
+              <a:rPr lang="en-US" altLang="ko-KR" sz="2400" b="1" dirty="0" err="1" smtClean="0">
                 <a:solidFill>
                   <a:schemeClr val="tx1"/>
                 </a:solidFill>
               </a:rPr>
-              <a:t>명교 </a:t>
+              <a:t>SkillType</a:t>
             </a:r>
             <a:r>
               <a:rPr lang="en-US" altLang="ko-KR" sz="2400" b="1" dirty="0" smtClean="0">
@@ -9036,9 +10092,17 @@
                   <a:schemeClr val="tx1"/>
                 </a:solidFill>
               </a:rPr>
-              <a:t>Thread</a:t>
-            </a:r>
-            <a:endParaRPr lang="ko-KR" altLang="en-US" sz="2400" b="1" dirty="0" smtClean="0">
+              <a:t> : </a:t>
+            </a:r>
+            <a:r>
+              <a:rPr lang="en-US" altLang="ko-KR" sz="2400" b="1" dirty="0" err="1" smtClean="0">
+                <a:solidFill>
+                  <a:schemeClr val="tx1"/>
+                </a:solidFill>
+              </a:rPr>
+              <a:t>noteWrite</a:t>
+            </a:r>
+            <a:endParaRPr lang="ko-KR" altLang="en-US" b="1" dirty="0">
               <a:solidFill>
                 <a:schemeClr val="tx1"/>
               </a:solidFill>
@@ -9054,8 +10118,8 @@
         </p:nvSpPr>
         <p:spPr>
           <a:xfrm>
-            <a:off x="975946" y="1485898"/>
-            <a:ext cx="4932481" cy="4967655"/>
+            <a:off x="0" y="2242039"/>
+            <a:ext cx="3323492" cy="3525715"/>
           </a:xfrm>
           <a:prstGeom prst="rect">
             <a:avLst/>
@@ -9082,391 +10146,59 @@
           <a:lstStyle/>
           <a:p>
             <a:pPr marL="342900" indent="-342900">
-              <a:lnSpc>
-                <a:spcPct val="200000"/>
-              </a:lnSpc>
               <a:buAutoNum type="arabicPeriod"/>
             </a:pPr>
             <a:r>
-              <a:rPr lang="en-US" altLang="ko-KR" sz="1500" dirty="0" smtClean="0"/>
-              <a:t>1</a:t>
-            </a:r>
-            <a:r>
-              <a:rPr lang="ko-KR" altLang="en-US" sz="1500" dirty="0" smtClean="0"/>
-              <a:t>초마다 명교 참가자 목록 가져오기</a:t>
-            </a:r>
-            <a:r>
-              <a:rPr lang="en-US" altLang="ko-KR" sz="1500" dirty="0" smtClean="0"/>
-              <a:t>(Static </a:t>
-            </a:r>
-            <a:r>
-              <a:rPr lang="ko-KR" altLang="en-US" sz="1500" dirty="0" smtClean="0"/>
-              <a:t>자원</a:t>
-            </a:r>
-            <a:r>
-              <a:rPr lang="en-US" altLang="ko-KR" sz="1500" dirty="0" smtClean="0"/>
-              <a:t>)</a:t>
-            </a:r>
+              <a:rPr lang="ko-KR" altLang="en-US" sz="1500" dirty="0" smtClean="0"/>
+              <a:t>노트 목록 자원으로 관리</a:t>
+            </a:r>
+            <a:endParaRPr lang="en-US" altLang="ko-KR" sz="1500" dirty="0" smtClean="0"/>
           </a:p>
           <a:p>
             <a:pPr marL="342900" indent="-342900">
-              <a:lnSpc>
-                <a:spcPct val="200000"/>
-              </a:lnSpc>
               <a:buAutoNum type="arabicPeriod"/>
             </a:pPr>
             <a:r>
               <a:rPr lang="ko-KR" altLang="en-US" sz="1500" dirty="0" smtClean="0"/>
-              <a:t>명교 참가자가 </a:t>
+              <a:t>노트 이름과 직업이 일치 안하면 실패했다는 문구 날리기</a:t>
             </a:r>
             <a:r>
               <a:rPr lang="en-US" altLang="ko-KR" sz="1500" dirty="0" smtClean="0"/>
-              <a:t>2</a:t>
-            </a:r>
-            <a:r>
-              <a:rPr lang="ko-KR" altLang="en-US" sz="1500" dirty="0" smtClean="0"/>
-              <a:t>명 이상이면 명교</a:t>
-            </a:r>
-            <a:r>
-              <a:rPr lang="en-US" altLang="ko-KR" sz="1500" dirty="0" smtClean="0"/>
-              <a:t>(if</a:t>
-            </a:r>
-            <a:r>
-              <a:rPr lang="ko-KR" altLang="en-US" sz="1500" dirty="0" smtClean="0"/>
-              <a:t>문</a:t>
-            </a:r>
-            <a:r>
-              <a:rPr lang="en-US" altLang="ko-KR" sz="1500" dirty="0" smtClean="0"/>
-              <a:t>)</a:t>
-            </a:r>
-            <a:r>
-              <a:rPr lang="ko-KR" altLang="en-US" sz="1500" dirty="0" smtClean="0"/>
-              <a:t> 시작</a:t>
-            </a:r>
-            <a:endParaRPr lang="en-US" altLang="ko-KR" sz="1500" dirty="0" smtClean="0"/>
+              <a:t>.</a:t>
+            </a:r>
           </a:p>
           <a:p>
             <a:pPr marL="342900" indent="-342900">
-              <a:lnSpc>
-                <a:spcPct val="200000"/>
-              </a:lnSpc>
               <a:buAutoNum type="arabicPeriod"/>
             </a:pPr>
             <a:r>
-              <a:rPr lang="ko-KR" altLang="en-US" sz="1500" dirty="0" smtClean="0"/>
-              <a:t>명교 대기자 목록 </a:t>
-            </a:r>
-            <a:r>
-              <a:rPr lang="en-US" altLang="ko-KR" sz="1500" dirty="0" smtClean="0"/>
-              <a:t>shuffle</a:t>
-            </a:r>
+              <a:rPr lang="ko-KR" altLang="en-US" sz="1500" dirty="0" err="1" smtClean="0"/>
+              <a:t>성공시에</a:t>
+            </a:r>
+            <a:r>
+              <a:rPr lang="ko-KR" altLang="en-US" sz="1500" dirty="0" smtClean="0"/>
+              <a:t> 노트 목록에서 타겟을 관리</a:t>
+            </a:r>
+            <a:endParaRPr lang="en-US" altLang="ko-KR" sz="1500" dirty="0" smtClean="0"/>
           </a:p>
           <a:p>
             <a:pPr marL="342900" indent="-342900">
-              <a:lnSpc>
-                <a:spcPct val="200000"/>
-              </a:lnSpc>
               <a:buAutoNum type="arabicPeriod"/>
             </a:pPr>
-            <a:r>
-              <a:rPr lang="en-US" altLang="ko-KR" sz="1500" dirty="0" smtClean="0"/>
-              <a:t>2</a:t>
-            </a:r>
-            <a:r>
-              <a:rPr lang="ko-KR" altLang="en-US" sz="1500" dirty="0" smtClean="0"/>
-              <a:t>명만 미션 수행 알림</a:t>
-            </a:r>
-            <a:endParaRPr lang="en-US" altLang="ko-KR" sz="1500" dirty="0" smtClean="0"/>
-          </a:p>
-          <a:p>
-            <a:pPr marL="342900" indent="-342900">
-              <a:lnSpc>
-                <a:spcPct val="200000"/>
-              </a:lnSpc>
-              <a:buAutoNum type="arabicPeriod"/>
-            </a:pPr>
-            <a:r>
-              <a:rPr lang="en-US" altLang="ko-KR" sz="1500" dirty="0" smtClean="0"/>
-              <a:t>30</a:t>
-            </a:r>
-            <a:r>
-              <a:rPr lang="ko-KR" altLang="en-US" sz="1500" dirty="0" smtClean="0"/>
-              <a:t>초 </a:t>
-            </a:r>
-            <a:r>
-              <a:rPr lang="en-US" altLang="ko-KR" sz="1500" dirty="0" smtClean="0"/>
-              <a:t>sleep</a:t>
-            </a:r>
-          </a:p>
-        </p:txBody>
-      </p:sp>
-      <p:sp>
-        <p:nvSpPr>
-          <p:cNvPr id="6" name="Rectangle 2"/>
-          <p:cNvSpPr>
-            <a:spLocks noChangeArrowheads="1"/>
-          </p:cNvSpPr>
+            <a:endParaRPr lang="ko-KR" altLang="en-US" sz="1500" dirty="0"/>
+          </a:p>
+        </p:txBody>
+      </p:sp>
+      <p:sp>
+        <p:nvSpPr>
+          <p:cNvPr id="6" name="직사각형 5"/>
+          <p:cNvSpPr/>
           <p:nvPr/>
         </p:nvSpPr>
-        <p:spPr bwMode="auto">
-          <a:xfrm>
-            <a:off x="7228009" y="5046478"/>
-            <a:ext cx="2918314" cy="1015663"/>
-          </a:xfrm>
-          <a:prstGeom prst="rect">
-            <a:avLst/>
-          </a:prstGeom>
-          <a:solidFill>
-            <a:srgbClr val="2B2B2B"/>
-          </a:solidFill>
-          <a:ln>
-            <a:noFill/>
-          </a:ln>
-          <a:effectLst/>
-          <a:extLst>
-            <a:ext uri="{91240B29-F687-4F45-9708-019B960494DF}">
-              <a14:hiddenLine xmlns:a14="http://schemas.microsoft.com/office/drawing/2010/main" w="9525">
-                <a:solidFill>
-                  <a:schemeClr val="tx1"/>
-                </a:solidFill>
-                <a:miter lim="800000"/>
-                <a:headEnd/>
-                <a:tailEnd/>
-              </a14:hiddenLine>
-            </a:ext>
-            <a:ext uri="{AF507438-7753-43E0-B8FC-AC1667EBCBE1}">
-              <a14:hiddenEffects xmlns:a14="http://schemas.microsoft.com/office/drawing/2010/main">
-                <a:effectLst>
-                  <a:outerShdw dist="35921" dir="2700000" algn="ctr" rotWithShape="0">
-                    <a:schemeClr val="bg2"/>
-                  </a:outerShdw>
-                </a:effectLst>
-              </a14:hiddenEffects>
-            </a:ext>
-          </a:extLst>
-        </p:spPr>
-        <p:txBody>
-          <a:bodyPr vert="horz" wrap="square" lIns="91440" tIns="45720" rIns="91440" bIns="45720" numCol="1" anchor="ctr" anchorCtr="0" compatLnSpc="1">
-            <a:prstTxWarp prst="textNoShape">
-              <a:avLst/>
-            </a:prstTxWarp>
-            <a:spAutoFit/>
-          </a:bodyPr>
-          <a:lstStyle/>
-          <a:p>
-            <a:pPr lvl="0" eaLnBrk="0" fontAlgn="base" latinLnBrk="0" hangingPunct="0">
-              <a:spcBef>
-                <a:spcPct val="0"/>
-              </a:spcBef>
-              <a:spcAft>
-                <a:spcPct val="0"/>
-              </a:spcAft>
-            </a:pPr>
-            <a:r>
-              <a:rPr lang="en-US" altLang="ko-KR" sz="1500" b="1" dirty="0" smtClean="0">
-                <a:solidFill>
-                  <a:srgbClr val="00B050"/>
-                </a:solidFill>
-                <a:latin typeface="Arial" panose="020B0604020202020204" pitchFamily="34" charset="0"/>
-              </a:rPr>
-              <a:t>data : {</a:t>
-            </a:r>
-          </a:p>
-          <a:p>
-            <a:pPr lvl="1" eaLnBrk="0" fontAlgn="base" latinLnBrk="0" hangingPunct="0">
-              <a:spcBef>
-                <a:spcPct val="0"/>
-              </a:spcBef>
-              <a:spcAft>
-                <a:spcPct val="0"/>
-              </a:spcAft>
-            </a:pPr>
-            <a:r>
-              <a:rPr lang="en-US" altLang="ko-KR" sz="1500" b="1" dirty="0" smtClean="0">
-                <a:solidFill>
-                  <a:srgbClr val="00B050"/>
-                </a:solidFill>
-                <a:latin typeface="Arial" panose="020B0604020202020204" pitchFamily="34" charset="0"/>
-              </a:rPr>
-              <a:t>a</a:t>
-            </a:r>
-            <a:r>
-              <a:rPr kumimoji="0" lang="en-US" altLang="ko-KR" sz="1500" b="1" u="none" strike="noStrike" cap="none" normalizeH="0" baseline="0" dirty="0" smtClean="0">
-                <a:ln>
-                  <a:noFill/>
-                </a:ln>
-                <a:solidFill>
-                  <a:srgbClr val="00B050"/>
-                </a:solidFill>
-                <a:effectLst/>
-                <a:latin typeface="Arial" panose="020B0604020202020204" pitchFamily="34" charset="0"/>
-              </a:rPr>
-              <a:t>ction</a:t>
-            </a:r>
-            <a:r>
-              <a:rPr kumimoji="0" lang="en-US" altLang="ko-KR" sz="1500" b="1" u="none" strike="noStrike" cap="none" normalizeH="0" dirty="0" smtClean="0">
-                <a:ln>
-                  <a:noFill/>
-                </a:ln>
-                <a:solidFill>
-                  <a:srgbClr val="00B050"/>
-                </a:solidFill>
-                <a:effectLst/>
-                <a:latin typeface="Arial" panose="020B0604020202020204" pitchFamily="34" charset="0"/>
-              </a:rPr>
-              <a:t> : </a:t>
-            </a:r>
-            <a:r>
-              <a:rPr kumimoji="0" lang="en-US" altLang="ko-KR" sz="1500" b="1" u="none" strike="noStrike" cap="none" normalizeH="0" dirty="0" err="1" smtClean="0">
-                <a:ln>
-                  <a:noFill/>
-                </a:ln>
-                <a:solidFill>
-                  <a:srgbClr val="00B050"/>
-                </a:solidFill>
-                <a:effectLst/>
-                <a:latin typeface="Arial" panose="020B0604020202020204" pitchFamily="34" charset="0"/>
-              </a:rPr>
-              <a:t>exchangeStart</a:t>
-            </a:r>
-            <a:r>
-              <a:rPr kumimoji="0" lang="en-US" altLang="ko-KR" sz="1500" b="1" u="none" strike="noStrike" cap="none" normalizeH="0" dirty="0" smtClean="0">
-                <a:ln>
-                  <a:noFill/>
-                </a:ln>
-                <a:solidFill>
-                  <a:srgbClr val="00B050"/>
-                </a:solidFill>
-                <a:effectLst/>
-                <a:latin typeface="Arial" panose="020B0604020202020204" pitchFamily="34" charset="0"/>
-              </a:rPr>
-              <a:t>,</a:t>
-            </a:r>
-          </a:p>
-          <a:p>
-            <a:pPr lvl="1" eaLnBrk="0" fontAlgn="base" latinLnBrk="0" hangingPunct="0">
-              <a:spcBef>
-                <a:spcPct val="0"/>
-              </a:spcBef>
-              <a:spcAft>
-                <a:spcPct val="0"/>
-              </a:spcAft>
-            </a:pPr>
-            <a:r>
-              <a:rPr lang="en-US" altLang="ko-KR" sz="1500" b="1" baseline="0" dirty="0" smtClean="0">
-                <a:solidFill>
-                  <a:srgbClr val="00B050"/>
-                </a:solidFill>
-                <a:latin typeface="Arial" panose="020B0604020202020204" pitchFamily="34" charset="0"/>
-              </a:rPr>
-              <a:t>turn : 1(</a:t>
-            </a:r>
-            <a:r>
-              <a:rPr lang="ko-KR" altLang="en-US" sz="1500" b="1" dirty="0" err="1" smtClean="0">
-                <a:solidFill>
-                  <a:srgbClr val="00B050"/>
-                </a:solidFill>
-                <a:latin typeface="Arial" panose="020B0604020202020204" pitchFamily="34" charset="0"/>
-              </a:rPr>
-              <a:t>명교시</a:t>
-            </a:r>
-            <a:r>
-              <a:rPr lang="ko-KR" altLang="en-US" sz="1500" b="1" dirty="0" smtClean="0">
-                <a:solidFill>
-                  <a:srgbClr val="00B050"/>
-                </a:solidFill>
-                <a:latin typeface="Arial" panose="020B0604020202020204" pitchFamily="34" charset="0"/>
-              </a:rPr>
-              <a:t> 증가</a:t>
-            </a:r>
-            <a:r>
-              <a:rPr lang="en-US" altLang="ko-KR" sz="1500" b="1" baseline="0" dirty="0" smtClean="0">
-                <a:solidFill>
-                  <a:srgbClr val="00B050"/>
-                </a:solidFill>
-                <a:latin typeface="Arial" panose="020B0604020202020204" pitchFamily="34" charset="0"/>
-              </a:rPr>
-              <a:t>)</a:t>
-            </a:r>
-          </a:p>
-          <a:p>
-            <a:pPr lvl="1" eaLnBrk="0" fontAlgn="base" latinLnBrk="0" hangingPunct="0">
-              <a:spcBef>
-                <a:spcPct val="0"/>
-              </a:spcBef>
-              <a:spcAft>
-                <a:spcPct val="0"/>
-              </a:spcAft>
-            </a:pPr>
-            <a:r>
-              <a:rPr kumimoji="0" lang="en-US" altLang="ko-KR" sz="1500" b="1" u="none" strike="noStrike" cap="none" normalizeH="0" dirty="0">
-                <a:ln>
-                  <a:noFill/>
-                </a:ln>
-                <a:solidFill>
-                  <a:srgbClr val="00B050"/>
-                </a:solidFill>
-                <a:effectLst/>
-                <a:latin typeface="Arial" panose="020B0604020202020204" pitchFamily="34" charset="0"/>
-              </a:rPr>
-              <a:t>}</a:t>
-            </a:r>
-            <a:endParaRPr kumimoji="0" lang="ko-KR" altLang="ko-KR" sz="1500" u="none" strike="noStrike" cap="none" normalizeH="0" baseline="0" dirty="0" smtClean="0">
-              <a:ln>
-                <a:noFill/>
-              </a:ln>
-              <a:solidFill>
-                <a:srgbClr val="00B050"/>
-              </a:solidFill>
-              <a:effectLst/>
-              <a:latin typeface="Arial" panose="020B0604020202020204" pitchFamily="34" charset="0"/>
-            </a:endParaRPr>
-          </a:p>
-        </p:txBody>
-      </p:sp>
-      <p:cxnSp>
-        <p:nvCxnSpPr>
-          <p:cNvPr id="8" name="직선 화살표 연결선 7"/>
-          <p:cNvCxnSpPr/>
-          <p:nvPr/>
-        </p:nvCxnSpPr>
         <p:spPr>
           <a:xfrm>
-            <a:off x="3569677" y="4457700"/>
-            <a:ext cx="3516923" cy="1096609"/>
-          </a:xfrm>
-          <a:prstGeom prst="straightConnector1">
-            <a:avLst/>
-          </a:prstGeom>
-          <a:ln w="57150">
-            <a:tailEnd type="triangle"/>
-          </a:ln>
-        </p:spPr>
-        <p:style>
-          <a:lnRef idx="1">
-            <a:schemeClr val="dk1"/>
-          </a:lnRef>
-          <a:fillRef idx="0">
-            <a:schemeClr val="dk1"/>
-          </a:fillRef>
-          <a:effectRef idx="0">
-            <a:schemeClr val="dk1"/>
-          </a:effectRef>
-          <a:fontRef idx="minor">
-            <a:schemeClr val="tx1"/>
-          </a:fontRef>
-        </p:style>
-      </p:cxnSp>
-      <p:sp>
-        <p:nvSpPr>
-          <p:cNvPr id="10" name="직사각형 9"/>
-          <p:cNvSpPr/>
-          <p:nvPr/>
-        </p:nvSpPr>
-        <p:spPr>
-          <a:xfrm>
-            <a:off x="6419849" y="1485898"/>
-            <a:ext cx="5345724" cy="1707287"/>
+            <a:off x="4319954" y="2242037"/>
+            <a:ext cx="3323492" cy="3525715"/>
           </a:xfrm>
           <a:prstGeom prst="rect">
             <a:avLst/>
@@ -9496,114 +10228,96 @@
               <a:buAutoNum type="arabicPeriod"/>
             </a:pPr>
             <a:r>
-              <a:rPr lang="en-US" altLang="ko-KR" dirty="0" smtClean="0"/>
-              <a:t>signal</a:t>
-            </a:r>
-            <a:r>
-              <a:rPr lang="ko-KR" altLang="en-US" dirty="0" smtClean="0"/>
-              <a:t>을 </a:t>
-            </a:r>
-            <a:r>
-              <a:rPr lang="ko-KR" altLang="en-US" dirty="0" err="1" smtClean="0"/>
-              <a:t>수신시</a:t>
-            </a:r>
-            <a:r>
-              <a:rPr lang="ko-KR" altLang="en-US" dirty="0" smtClean="0"/>
-              <a:t> </a:t>
-            </a:r>
-            <a:r>
-              <a:rPr lang="ko-KR" altLang="en-US" dirty="0" err="1" smtClean="0"/>
-              <a:t>명교창으로</a:t>
-            </a:r>
-            <a:r>
-              <a:rPr lang="ko-KR" altLang="en-US" dirty="0" smtClean="0"/>
-              <a:t> 이동</a:t>
-            </a:r>
-            <a:r>
-              <a:rPr lang="en-US" altLang="ko-KR" dirty="0" smtClean="0"/>
-              <a:t>(?)</a:t>
-            </a:r>
+              <a:rPr lang="ko-KR" altLang="en-US" sz="1500" dirty="0" smtClean="0"/>
+              <a:t>노트에 </a:t>
+            </a:r>
+            <a:r>
+              <a:rPr lang="ko-KR" altLang="en-US" sz="1500" dirty="0" err="1" smtClean="0"/>
+              <a:t>적힌사람</a:t>
+            </a:r>
+            <a:r>
+              <a:rPr lang="ko-KR" altLang="en-US" sz="1500" dirty="0" smtClean="0"/>
+              <a:t> 모두 죽이기</a:t>
+            </a:r>
+            <a:endParaRPr lang="en-US" altLang="ko-KR" sz="1500" dirty="0" smtClean="0"/>
           </a:p>
           <a:p>
             <a:pPr marL="342900" indent="-342900">
               <a:buAutoNum type="arabicPeriod"/>
             </a:pPr>
             <a:r>
-              <a:rPr lang="ko-KR" altLang="en-US" dirty="0" smtClean="0"/>
-              <a:t>명교 결과 </a:t>
-            </a:r>
-            <a:r>
-              <a:rPr lang="en-US" altLang="ko-KR" dirty="0" smtClean="0"/>
-              <a:t>signal</a:t>
-            </a:r>
-            <a:r>
-              <a:rPr lang="ko-KR" altLang="en-US" dirty="0" smtClean="0"/>
-              <a:t>로 보내기</a:t>
-            </a:r>
-            <a:endParaRPr lang="en-US" altLang="ko-KR" dirty="0" smtClean="0"/>
+              <a:rPr lang="ko-KR" altLang="en-US" sz="1500" dirty="0" smtClean="0"/>
+              <a:t>대상이 방어중이라면 </a:t>
+            </a:r>
+            <a:r>
+              <a:rPr lang="ko-KR" altLang="en-US" sz="1500" dirty="0" err="1" smtClean="0"/>
+              <a:t>안죽이고</a:t>
+            </a:r>
+            <a:r>
+              <a:rPr lang="ko-KR" altLang="en-US" sz="1500" dirty="0" smtClean="0"/>
+              <a:t> 방어되었음을 </a:t>
+            </a:r>
+            <a:r>
+              <a:rPr lang="ko-KR" altLang="en-US" sz="1500" dirty="0" err="1" smtClean="0"/>
+              <a:t>키라에게</a:t>
+            </a:r>
+            <a:r>
+              <a:rPr lang="ko-KR" altLang="en-US" sz="1500" dirty="0" smtClean="0"/>
+              <a:t> 알림</a:t>
+            </a:r>
+            <a:endParaRPr lang="en-US" altLang="ko-KR" sz="1500" dirty="0" smtClean="0"/>
           </a:p>
           <a:p>
             <a:pPr marL="342900" indent="-342900">
               <a:buAutoNum type="arabicPeriod"/>
             </a:pPr>
             <a:r>
-              <a:rPr lang="ko-KR" altLang="en-US" dirty="0" smtClean="0"/>
-              <a:t>결과 확인 후 </a:t>
-            </a:r>
-            <a:r>
-              <a:rPr lang="en-US" altLang="ko-KR" dirty="0" smtClean="0"/>
-              <a:t>L</a:t>
-            </a:r>
-            <a:r>
-              <a:rPr lang="ko-KR" altLang="en-US" dirty="0" smtClean="0"/>
-              <a:t>에게 </a:t>
-            </a:r>
-            <a:r>
-              <a:rPr lang="en-US" altLang="ko-KR" dirty="0" err="1" smtClean="0"/>
-              <a:t>signa</a:t>
-            </a:r>
-            <a:r>
-              <a:rPr lang="ko-KR" altLang="en-US" dirty="0" smtClean="0"/>
-              <a:t>보내기</a:t>
-            </a:r>
-            <a:r>
-              <a:rPr lang="en-US" altLang="ko-KR" dirty="0" smtClean="0"/>
-              <a:t>(</a:t>
-            </a:r>
-            <a:r>
-              <a:rPr lang="ko-KR" altLang="en-US" dirty="0" smtClean="0"/>
-              <a:t>구현 </a:t>
-            </a:r>
-            <a:r>
-              <a:rPr lang="en-US" altLang="ko-KR" dirty="0" smtClean="0"/>
-              <a:t>X)</a:t>
-            </a:r>
+              <a:rPr lang="ko-KR" altLang="en-US" sz="1500" dirty="0" smtClean="0"/>
+              <a:t>다 죽이고 난 뒤에</a:t>
+            </a:r>
+            <a:r>
+              <a:rPr lang="en-US" altLang="ko-KR" sz="1500" dirty="0" smtClean="0"/>
+              <a:t>, </a:t>
+            </a:r>
+            <a:r>
+              <a:rPr lang="ko-KR" altLang="en-US" sz="1500" dirty="0" smtClean="0"/>
+              <a:t>목록 비우기</a:t>
+            </a:r>
+            <a:endParaRPr lang="en-US" altLang="ko-KR" sz="1500" dirty="0" smtClean="0"/>
           </a:p>
           <a:p>
             <a:pPr marL="342900" indent="-342900">
               <a:buAutoNum type="arabicPeriod"/>
             </a:pPr>
             <a:r>
-              <a:rPr lang="en-US" altLang="ko-KR" dirty="0" smtClean="0"/>
-              <a:t>Front</a:t>
-            </a:r>
-            <a:r>
-              <a:rPr lang="ko-KR" altLang="en-US" dirty="0" smtClean="0"/>
-              <a:t>에서 받아서 결과 띄우기</a:t>
-            </a:r>
-            <a:endParaRPr lang="en-US" altLang="ko-KR" dirty="0" smtClean="0"/>
-          </a:p>
-        </p:txBody>
-      </p:sp>
-      <p:sp>
-        <p:nvSpPr>
-          <p:cNvPr id="11" name="직사각형 10"/>
+              <a:rPr lang="ko-KR" altLang="en-US" sz="1500" dirty="0" smtClean="0"/>
+              <a:t>경찰 숫자 확인 후 </a:t>
+            </a:r>
+            <a:r>
+              <a:rPr lang="en-US" altLang="ko-KR" sz="1500" dirty="0" smtClean="0"/>
+              <a:t>0</a:t>
+            </a:r>
+            <a:r>
+              <a:rPr lang="ko-KR" altLang="en-US" sz="1500" dirty="0" smtClean="0"/>
+              <a:t>명이면 게임 종료</a:t>
+            </a:r>
+            <a:r>
+              <a:rPr lang="en-US" altLang="ko-KR" sz="1500" dirty="0" smtClean="0"/>
+              <a:t>.</a:t>
+            </a:r>
+            <a:endParaRPr lang="en-US" altLang="ko-KR" sz="1500" dirty="0" smtClean="0"/>
+          </a:p>
+        </p:txBody>
+      </p:sp>
+      <p:sp>
+        <p:nvSpPr>
+          <p:cNvPr id="7" name="직사각형 6"/>
           <p:cNvSpPr/>
           <p:nvPr/>
         </p:nvSpPr>
         <p:spPr>
           <a:xfrm>
-            <a:off x="7372716" y="562708"/>
+            <a:off x="4319954" y="0"/>
             <a:ext cx="3323492" cy="571500"/>
           </a:xfrm>
           <a:prstGeom prst="rect">
@@ -9632,12 +10346,28 @@
           <a:p>
             <a:pPr algn="ctr"/>
             <a:r>
+              <a:rPr lang="en-US" altLang="ko-KR" sz="2400" b="1" dirty="0" err="1" smtClean="0">
+                <a:solidFill>
+                  <a:schemeClr val="tx1"/>
+                </a:solidFill>
+              </a:rPr>
+              <a:t>SkillType</a:t>
+            </a:r>
+            <a:r>
               <a:rPr lang="en-US" altLang="ko-KR" sz="2400" b="1" dirty="0" smtClean="0">
                 <a:solidFill>
                   <a:schemeClr val="tx1"/>
                 </a:solidFill>
               </a:rPr>
-              <a:t>Front</a:t>
+              <a:t> : </a:t>
+            </a:r>
+            <a:r>
+              <a:rPr lang="en-US" altLang="ko-KR" sz="2400" b="1" dirty="0" err="1" smtClean="0">
+                <a:solidFill>
+                  <a:schemeClr val="tx1"/>
+                </a:solidFill>
+              </a:rPr>
+              <a:t>noteUse</a:t>
             </a:r>
             <a:endParaRPr lang="ko-KR" altLang="en-US" b="1" dirty="0">
               <a:solidFill>
@@ -9647,10 +10377,168 @@
           </a:p>
         </p:txBody>
       </p:sp>
+      <p:sp>
+        <p:nvSpPr>
+          <p:cNvPr id="8" name="직사각형 7"/>
+          <p:cNvSpPr/>
+          <p:nvPr/>
+        </p:nvSpPr>
+        <p:spPr>
+          <a:xfrm>
+            <a:off x="8396654" y="2242037"/>
+            <a:ext cx="3795346" cy="3525715"/>
+          </a:xfrm>
+          <a:prstGeom prst="rect">
+            <a:avLst/>
+          </a:prstGeom>
+        </p:spPr>
+        <p:style>
+          <a:lnRef idx="2">
+            <a:schemeClr val="accent1">
+              <a:shade val="50000"/>
+            </a:schemeClr>
+          </a:lnRef>
+          <a:fillRef idx="1">
+            <a:schemeClr val="accent1"/>
+          </a:fillRef>
+          <a:effectRef idx="0">
+            <a:schemeClr val="accent1"/>
+          </a:effectRef>
+          <a:fontRef idx="minor">
+            <a:schemeClr val="lt1"/>
+          </a:fontRef>
+        </p:style>
+        <p:txBody>
+          <a:bodyPr rtlCol="0" anchor="ctr"/>
+          <a:lstStyle/>
+          <a:p>
+            <a:pPr marL="342900" indent="-342900">
+              <a:buAutoNum type="arabicPeriod"/>
+            </a:pPr>
+            <a:r>
+              <a:rPr lang="ko-KR" altLang="en-US" sz="1500" dirty="0" err="1" smtClean="0"/>
+              <a:t>명함교환</a:t>
+            </a:r>
+            <a:r>
+              <a:rPr lang="ko-KR" altLang="en-US" sz="1500" dirty="0" smtClean="0"/>
+              <a:t> 결과를 </a:t>
+            </a:r>
+            <a:r>
+              <a:rPr lang="ko-KR" altLang="en-US" sz="1500" dirty="0" smtClean="0"/>
+              <a:t>경찰총장</a:t>
+            </a:r>
+            <a:r>
+              <a:rPr lang="ko-KR" altLang="en-US" sz="1500" dirty="0" smtClean="0"/>
+              <a:t>에게 알리기 위해 사용</a:t>
+            </a:r>
+            <a:endParaRPr lang="en-US" altLang="ko-KR" sz="1500" dirty="0" smtClean="0"/>
+          </a:p>
+          <a:p>
+            <a:pPr marL="342900" indent="-342900">
+              <a:buAutoNum type="arabicPeriod"/>
+            </a:pPr>
+            <a:r>
+              <a:rPr lang="en-US" altLang="ko-KR" sz="1500" dirty="0" err="1" smtClean="0"/>
+              <a:t>userId</a:t>
+            </a:r>
+            <a:r>
+              <a:rPr lang="ko-KR" altLang="en-US" sz="1500" dirty="0" smtClean="0"/>
+              <a:t>와 </a:t>
+            </a:r>
+            <a:r>
+              <a:rPr lang="en-US" altLang="ko-KR" sz="1500" dirty="0" err="1" smtClean="0"/>
+              <a:t>resul</a:t>
+            </a:r>
+            <a:r>
+              <a:rPr lang="ko-KR" altLang="en-US" sz="1500" dirty="0" smtClean="0"/>
+              <a:t>만 알림</a:t>
+            </a:r>
+            <a:endParaRPr lang="en-US" altLang="ko-KR" sz="1500" dirty="0" smtClean="0"/>
+          </a:p>
+          <a:p>
+            <a:pPr marL="342900" indent="-342900">
+              <a:buAutoNum type="arabicPeriod"/>
+            </a:pPr>
+            <a:r>
+              <a:rPr lang="ko-KR" altLang="en-US" sz="1500" dirty="0" smtClean="0"/>
+              <a:t>그대로 경찰총장에게 전달</a:t>
+            </a:r>
+            <a:endParaRPr lang="ko-KR" altLang="en-US" sz="1500" dirty="0"/>
+          </a:p>
+        </p:txBody>
+      </p:sp>
+      <p:sp>
+        <p:nvSpPr>
+          <p:cNvPr id="9" name="직사각형 8"/>
+          <p:cNvSpPr/>
+          <p:nvPr/>
+        </p:nvSpPr>
+        <p:spPr>
+          <a:xfrm>
+            <a:off x="8335108" y="0"/>
+            <a:ext cx="3856892" cy="571500"/>
+          </a:xfrm>
+          <a:prstGeom prst="rect">
+            <a:avLst/>
+          </a:prstGeom>
+        </p:spPr>
+        <p:style>
+          <a:lnRef idx="2">
+            <a:schemeClr val="accent4">
+              <a:shade val="50000"/>
+            </a:schemeClr>
+          </a:lnRef>
+          <a:fillRef idx="1">
+            <a:schemeClr val="accent4"/>
+          </a:fillRef>
+          <a:effectRef idx="0">
+            <a:schemeClr val="accent4"/>
+          </a:effectRef>
+          <a:fontRef idx="minor">
+            <a:schemeClr val="lt1"/>
+          </a:fontRef>
+        </p:style>
+        <p:txBody>
+          <a:bodyPr rtlCol="0" anchor="ctr"/>
+          <a:lstStyle/>
+          <a:p>
+            <a:pPr algn="ctr"/>
+            <a:r>
+              <a:rPr lang="en-US" altLang="ko-KR" sz="2400" b="1" dirty="0" err="1" smtClean="0">
+                <a:solidFill>
+                  <a:schemeClr val="tx1"/>
+                </a:solidFill>
+              </a:rPr>
+              <a:t>SkillType</a:t>
+            </a:r>
+            <a:r>
+              <a:rPr lang="en-US" altLang="ko-KR" sz="2400" b="1" dirty="0" smtClean="0">
+                <a:solidFill>
+                  <a:schemeClr val="tx1"/>
+                </a:solidFill>
+              </a:rPr>
+              <a:t> : </a:t>
+            </a:r>
+            <a:r>
+              <a:rPr lang="en-US" altLang="ko-KR" sz="2400" b="1" dirty="0" err="1" smtClean="0">
+                <a:solidFill>
+                  <a:schemeClr val="tx1"/>
+                </a:solidFill>
+              </a:rPr>
+              <a:t>announceToL</a:t>
+            </a:r>
+            <a:endParaRPr lang="ko-KR" altLang="en-US" b="1" dirty="0">
+              <a:solidFill>
+                <a:schemeClr val="tx1"/>
+              </a:solidFill>
+            </a:endParaRPr>
+          </a:p>
+        </p:txBody>
+      </p:sp>
     </p:spTree>
     <p:extLst>
       <p:ext uri="{BB962C8B-B14F-4D97-AF65-F5344CB8AC3E}">
-        <p14:creationId xmlns:p14="http://schemas.microsoft.com/office/powerpoint/2010/main" val="3514555979"/>
+        <p14:creationId xmlns:p14="http://schemas.microsoft.com/office/powerpoint/2010/main" val="1517882488"/>
       </p:ext>
     </p:extLst>
   </p:cSld>
